--- a/slides/Unit Test with Pytest.pptx
+++ b/slides/Unit Test with Pytest.pptx
@@ -9,6 +9,9 @@
     <p:sldId id="257" r:id="rId3"/>
     <p:sldId id="258" r:id="rId4"/>
     <p:sldId id="259" r:id="rId5"/>
+    <p:sldId id="260" r:id="rId6"/>
+    <p:sldId id="261" r:id="rId7"/>
+    <p:sldId id="262" r:id="rId8"/>
   </p:sldIdLst>
   <p:sldSz cx="9144000" cy="6858000" type="screen4x3"/>
   <p:notesSz cx="6858000" cy="9144000"/>
@@ -107,6 +110,11 @@
       </a:defRPr>
     </a:lvl9pPr>
   </p:defaultTextStyle>
+  <p:extLst>
+    <p:ext uri="{EFAFB233-063F-42B5-8137-9DF3F51BA10A}">
+      <p15:sldGuideLst xmlns:p15="http://schemas.microsoft.com/office/powerpoint/2012/main"/>
+    </p:ext>
+  </p:extLst>
 </p:presentation>
 </file>
 
@@ -3209,7 +3217,7 @@
           <a:p>
             <a:r>
               <a:rPr lang="en-US" dirty="0"/>
-              <a:t>One file with one test case</a:t>
+              <a:t>One test case in one file</a:t>
             </a:r>
           </a:p>
         </p:txBody>
@@ -3348,7 +3356,7 @@
             <a:avLst/>
           </a:prstGeom>
           <a:solidFill>
-            <a:srgbClr val="FFC000"/>
+            <a:srgbClr val="FFFF00"/>
           </a:solidFill>
           <a:ln w="76200">
             <a:solidFill>
@@ -3534,90 +3542,454 @@
           </a:p>
         </p:txBody>
       </p:sp>
-      <p:sp>
-        <p:nvSpPr>
-          <p:cNvPr id="6" name="TextBox 5">
-            <a:extLst>
-              <a:ext uri="{FF2B5EF4-FFF2-40B4-BE49-F238E27FC236}">
-                <a16:creationId xmlns:a16="http://schemas.microsoft.com/office/drawing/2014/main" id="{1320CA81-0715-44E5-B1CE-34A546B1316D}"/>
-              </a:ext>
-            </a:extLst>
-          </p:cNvPr>
-          <p:cNvSpPr txBox="1"/>
-          <p:nvPr/>
-        </p:nvSpPr>
-        <p:spPr>
-          <a:xfrm>
-            <a:off x="6185647" y="4915254"/>
-            <a:ext cx="2480983" cy="1477328"/>
-          </a:xfrm>
-          <a:prstGeom prst="rect">
-            <a:avLst/>
-          </a:prstGeom>
-          <a:solidFill>
-            <a:srgbClr val="FFC000"/>
-          </a:solidFill>
-          <a:ln w="76200">
-            <a:solidFill>
-              <a:schemeClr val="tx1">
-                <a:lumMod val="95000"/>
-                <a:lumOff val="5000"/>
-              </a:schemeClr>
-            </a:solidFill>
-          </a:ln>
-        </p:spPr>
-        <p:txBody>
-          <a:bodyPr wrap="square" rtlCol="0">
-            <a:spAutoFit/>
-          </a:bodyPr>
-          <a:lstStyle/>
-          <a:p>
-            <a:r>
-              <a:rPr lang="en-US" dirty="0"/>
-              <a:t>Exercise:</a:t>
-            </a:r>
-          </a:p>
-          <a:p>
-            <a:pPr marL="342900" indent="-342900">
-              <a:buAutoNum type="arabicPeriod"/>
-            </a:pPr>
-            <a:r>
-              <a:rPr lang="en-US" dirty="0"/>
-              <a:t>Go to ex1 folder</a:t>
-            </a:r>
-          </a:p>
-          <a:p>
-            <a:pPr marL="342900" indent="-342900">
-              <a:buAutoNum type="arabicPeriod"/>
-            </a:pPr>
-            <a:r>
-              <a:rPr lang="en-US" dirty="0" err="1"/>
-              <a:t>pytest</a:t>
-            </a:r>
-            <a:endParaRPr lang="en-US" dirty="0"/>
-          </a:p>
-          <a:p>
-            <a:pPr marL="342900" indent="-342900">
-              <a:buAutoNum type="arabicPeriod"/>
-            </a:pPr>
-            <a:r>
-              <a:rPr lang="en-US" dirty="0" err="1"/>
-              <a:t>pytest</a:t>
-            </a:r>
-            <a:r>
-              <a:rPr lang="en-US" dirty="0"/>
-              <a:t> -v</a:t>
-            </a:r>
-          </a:p>
-          <a:p>
-            <a:endParaRPr lang="en-US" dirty="0"/>
-          </a:p>
-        </p:txBody>
-      </p:sp>
     </p:spTree>
     <p:extLst>
       <p:ext uri="{BB962C8B-B14F-4D97-AF65-F5344CB8AC3E}">
         <p14:creationId xmlns:p14="http://schemas.microsoft.com/office/powerpoint/2010/main" val="1763494499"/>
+      </p:ext>
+    </p:extLst>
+  </p:cSld>
+  <p:clrMapOvr>
+    <a:masterClrMapping/>
+  </p:clrMapOvr>
+</p:sld>
+</file>
+
+<file path=ppt/slides/slide5.xml><?xml version="1.0" encoding="utf-8"?>
+<p:sld xmlns:a="http://schemas.openxmlformats.org/drawingml/2006/main" xmlns:r="http://schemas.openxmlformats.org/officeDocument/2006/relationships" xmlns:p="http://schemas.openxmlformats.org/presentationml/2006/main">
+  <p:cSld>
+    <p:spTree>
+      <p:nvGrpSpPr>
+        <p:cNvPr id="1" name=""/>
+        <p:cNvGrpSpPr/>
+        <p:nvPr/>
+      </p:nvGrpSpPr>
+      <p:grpSpPr>
+        <a:xfrm>
+          <a:off x="0" y="0"/>
+          <a:ext cx="0" cy="0"/>
+          <a:chOff x="0" y="0"/>
+          <a:chExt cx="0" cy="0"/>
+        </a:xfrm>
+      </p:grpSpPr>
+      <p:sp>
+        <p:nvSpPr>
+          <p:cNvPr id="2" name="Title 1">
+            <a:extLst>
+              <a:ext uri="{FF2B5EF4-FFF2-40B4-BE49-F238E27FC236}">
+                <a16:creationId xmlns:a16="http://schemas.microsoft.com/office/drawing/2014/main" id="{F69EEDF2-8B85-4D42-AF69-A58B744157F8}"/>
+              </a:ext>
+            </a:extLst>
+          </p:cNvPr>
+          <p:cNvSpPr>
+            <a:spLocks noGrp="1"/>
+          </p:cNvSpPr>
+          <p:nvPr>
+            <p:ph type="title"/>
+          </p:nvPr>
+        </p:nvSpPr>
+        <p:spPr/>
+        <p:txBody>
+          <a:bodyPr/>
+          <a:lstStyle/>
+          <a:p>
+            <a:r>
+              <a:rPr lang="en-US" dirty="0"/>
+              <a:t>Multiple test cases in multiple files</a:t>
+            </a:r>
+          </a:p>
+        </p:txBody>
+      </p:sp>
+      <p:sp>
+        <p:nvSpPr>
+          <p:cNvPr id="3" name="Content Placeholder 2">
+            <a:extLst>
+              <a:ext uri="{FF2B5EF4-FFF2-40B4-BE49-F238E27FC236}">
+                <a16:creationId xmlns:a16="http://schemas.microsoft.com/office/drawing/2014/main" id="{7326BCA0-6BE2-4135-B389-3558BDB5BB58}"/>
+              </a:ext>
+            </a:extLst>
+          </p:cNvPr>
+          <p:cNvSpPr>
+            <a:spLocks noGrp="1"/>
+          </p:cNvSpPr>
+          <p:nvPr>
+            <p:ph idx="1"/>
+          </p:nvPr>
+        </p:nvSpPr>
+        <p:spPr/>
+        <p:txBody>
+          <a:bodyPr/>
+          <a:lstStyle/>
+          <a:p>
+            <a:r>
+              <a:rPr lang="en-US" dirty="0">
+                <a:highlight>
+                  <a:srgbClr val="FFFF00"/>
+                </a:highlight>
+              </a:rPr>
+              <a:t>Exercise</a:t>
+            </a:r>
+            <a:r>
+              <a:rPr lang="en-US" dirty="0"/>
+              <a:t>:</a:t>
+            </a:r>
+          </a:p>
+          <a:p>
+            <a:pPr lvl="1"/>
+            <a:r>
+              <a:rPr lang="en-US" dirty="0"/>
+              <a:t>Go to ex2 folder</a:t>
+            </a:r>
+          </a:p>
+          <a:p>
+            <a:pPr lvl="1"/>
+            <a:r>
+              <a:rPr lang="en-US" dirty="0"/>
+              <a:t>App code to be tested resides in my_app.py</a:t>
+            </a:r>
+          </a:p>
+          <a:p>
+            <a:pPr lvl="1"/>
+            <a:r>
+              <a:rPr lang="en-US" dirty="0"/>
+              <a:t>Check out the 2 test sample files.</a:t>
+            </a:r>
+          </a:p>
+          <a:p>
+            <a:pPr lvl="1"/>
+            <a:r>
+              <a:rPr lang="en-US" dirty="0"/>
+              <a:t>Add one more test file with your test cases.</a:t>
+            </a:r>
+          </a:p>
+          <a:p>
+            <a:pPr lvl="1"/>
+            <a:r>
+              <a:rPr lang="en-US" dirty="0"/>
+              <a:t>See how </a:t>
+            </a:r>
+            <a:r>
+              <a:rPr lang="en-US" dirty="0" err="1"/>
+              <a:t>pytest</a:t>
+            </a:r>
+            <a:r>
+              <a:rPr lang="en-US" dirty="0"/>
+              <a:t> and </a:t>
+            </a:r>
+            <a:r>
+              <a:rPr lang="en-US" dirty="0" err="1"/>
+              <a:t>pytest</a:t>
+            </a:r>
+            <a:r>
+              <a:rPr lang="en-US" dirty="0"/>
+              <a:t> –v discover your test cases</a:t>
+            </a:r>
+          </a:p>
+        </p:txBody>
+      </p:sp>
+    </p:spTree>
+    <p:extLst>
+      <p:ext uri="{BB962C8B-B14F-4D97-AF65-F5344CB8AC3E}">
+        <p14:creationId xmlns:p14="http://schemas.microsoft.com/office/powerpoint/2010/main" val="3211487400"/>
+      </p:ext>
+    </p:extLst>
+  </p:cSld>
+  <p:clrMapOvr>
+    <a:masterClrMapping/>
+  </p:clrMapOvr>
+</p:sld>
+</file>
+
+<file path=ppt/slides/slide6.xml><?xml version="1.0" encoding="utf-8"?>
+<p:sld xmlns:a="http://schemas.openxmlformats.org/drawingml/2006/main" xmlns:r="http://schemas.openxmlformats.org/officeDocument/2006/relationships" xmlns:p="http://schemas.openxmlformats.org/presentationml/2006/main">
+  <p:cSld>
+    <p:spTree>
+      <p:nvGrpSpPr>
+        <p:cNvPr id="1" name=""/>
+        <p:cNvGrpSpPr/>
+        <p:nvPr/>
+      </p:nvGrpSpPr>
+      <p:grpSpPr>
+        <a:xfrm>
+          <a:off x="0" y="0"/>
+          <a:ext cx="0" cy="0"/>
+          <a:chOff x="0" y="0"/>
+          <a:chExt cx="0" cy="0"/>
+        </a:xfrm>
+      </p:grpSpPr>
+      <p:sp>
+        <p:nvSpPr>
+          <p:cNvPr id="2" name="Title 1">
+            <a:extLst>
+              <a:ext uri="{FF2B5EF4-FFF2-40B4-BE49-F238E27FC236}">
+                <a16:creationId xmlns:a16="http://schemas.microsoft.com/office/drawing/2014/main" id="{62B545D0-17AD-42C3-9AB6-9DDBC07E32FD}"/>
+              </a:ext>
+            </a:extLst>
+          </p:cNvPr>
+          <p:cNvSpPr>
+            <a:spLocks noGrp="1"/>
+          </p:cNvSpPr>
+          <p:nvPr>
+            <p:ph type="title"/>
+          </p:nvPr>
+        </p:nvSpPr>
+        <p:spPr/>
+        <p:txBody>
+          <a:bodyPr/>
+          <a:lstStyle/>
+          <a:p>
+            <a:r>
+              <a:rPr lang="en-US" dirty="0"/>
+              <a:t>Expect exceptions</a:t>
+            </a:r>
+          </a:p>
+        </p:txBody>
+      </p:sp>
+      <p:sp>
+        <p:nvSpPr>
+          <p:cNvPr id="3" name="Content Placeholder 2">
+            <a:extLst>
+              <a:ext uri="{FF2B5EF4-FFF2-40B4-BE49-F238E27FC236}">
+                <a16:creationId xmlns:a16="http://schemas.microsoft.com/office/drawing/2014/main" id="{82906563-8A01-41BD-80F5-84D8CE37EC1C}"/>
+              </a:ext>
+            </a:extLst>
+          </p:cNvPr>
+          <p:cNvSpPr>
+            <a:spLocks noGrp="1"/>
+          </p:cNvSpPr>
+          <p:nvPr>
+            <p:ph idx="1"/>
+          </p:nvPr>
+        </p:nvSpPr>
+        <p:spPr/>
+        <p:txBody>
+          <a:bodyPr/>
+          <a:lstStyle/>
+          <a:p>
+            <a:r>
+              <a:rPr lang="en-US" dirty="0"/>
+              <a:t>To assert that a code block/function call raises </a:t>
+            </a:r>
+            <a:r>
+              <a:rPr lang="en-US" dirty="0" err="1"/>
+              <a:t>expected_exception</a:t>
+            </a:r>
+            <a:r>
+              <a:rPr lang="en-US" dirty="0"/>
+              <a:t> or raise a failure exception otherwise.</a:t>
+            </a:r>
+          </a:p>
+          <a:p>
+            <a:r>
+              <a:rPr lang="en-US" dirty="0">
+                <a:highlight>
+                  <a:srgbClr val="FFFF00"/>
+                </a:highlight>
+              </a:rPr>
+              <a:t>Exercise</a:t>
+            </a:r>
+            <a:r>
+              <a:rPr lang="en-US" dirty="0"/>
+              <a:t>:</a:t>
+            </a:r>
+          </a:p>
+          <a:p>
+            <a:pPr lvl="1"/>
+            <a:r>
+              <a:rPr lang="en-US" dirty="0"/>
+              <a:t>Go to ex3 folder</a:t>
+            </a:r>
+          </a:p>
+          <a:p>
+            <a:pPr lvl="1"/>
+            <a:r>
+              <a:rPr lang="en-US" dirty="0"/>
+              <a:t>Add a function that </a:t>
+            </a:r>
+          </a:p>
+          <a:p>
+            <a:pPr lvl="2"/>
+            <a:r>
+              <a:rPr lang="en-US" dirty="0"/>
+              <a:t>returns absolute value of a negative input value;</a:t>
+            </a:r>
+          </a:p>
+          <a:p>
+            <a:pPr lvl="2"/>
+            <a:r>
+              <a:rPr lang="en-US" dirty="0"/>
+              <a:t>If input value is positive, raise </a:t>
+            </a:r>
+            <a:r>
+              <a:rPr lang="en-US" dirty="0" err="1"/>
+              <a:t>ValueError</a:t>
+            </a:r>
+            <a:r>
+              <a:rPr lang="en-US" dirty="0"/>
+              <a:t>.</a:t>
+            </a:r>
+          </a:p>
+          <a:p>
+            <a:endParaRPr lang="en-US" dirty="0"/>
+          </a:p>
+          <a:p>
+            <a:endParaRPr lang="en-US" dirty="0"/>
+          </a:p>
+        </p:txBody>
+      </p:sp>
+    </p:spTree>
+    <p:extLst>
+      <p:ext uri="{BB962C8B-B14F-4D97-AF65-F5344CB8AC3E}">
+        <p14:creationId xmlns:p14="http://schemas.microsoft.com/office/powerpoint/2010/main" val="2236915715"/>
+      </p:ext>
+    </p:extLst>
+  </p:cSld>
+  <p:clrMapOvr>
+    <a:masterClrMapping/>
+  </p:clrMapOvr>
+</p:sld>
+</file>
+
+<file path=ppt/slides/slide7.xml><?xml version="1.0" encoding="utf-8"?>
+<p:sld xmlns:a="http://schemas.openxmlformats.org/drawingml/2006/main" xmlns:r="http://schemas.openxmlformats.org/officeDocument/2006/relationships" xmlns:p="http://schemas.openxmlformats.org/presentationml/2006/main">
+  <p:cSld>
+    <p:spTree>
+      <p:nvGrpSpPr>
+        <p:cNvPr id="1" name=""/>
+        <p:cNvGrpSpPr/>
+        <p:nvPr/>
+      </p:nvGrpSpPr>
+      <p:grpSpPr>
+        <a:xfrm>
+          <a:off x="0" y="0"/>
+          <a:ext cx="0" cy="0"/>
+          <a:chOff x="0" y="0"/>
+          <a:chExt cx="0" cy="0"/>
+        </a:xfrm>
+      </p:grpSpPr>
+      <p:sp>
+        <p:nvSpPr>
+          <p:cNvPr id="2" name="Title 1">
+            <a:extLst>
+              <a:ext uri="{FF2B5EF4-FFF2-40B4-BE49-F238E27FC236}">
+                <a16:creationId xmlns:a16="http://schemas.microsoft.com/office/drawing/2014/main" id="{C19327DD-8322-4598-B041-0EC57CF616E7}"/>
+              </a:ext>
+            </a:extLst>
+          </p:cNvPr>
+          <p:cNvSpPr>
+            <a:spLocks noGrp="1"/>
+          </p:cNvSpPr>
+          <p:nvPr>
+            <p:ph type="title"/>
+          </p:nvPr>
+        </p:nvSpPr>
+        <p:spPr/>
+        <p:txBody>
+          <a:bodyPr/>
+          <a:lstStyle/>
+          <a:p>
+            <a:r>
+              <a:rPr lang="en-US" dirty="0"/>
+              <a:t>Run tests by folders</a:t>
+            </a:r>
+          </a:p>
+        </p:txBody>
+      </p:sp>
+      <p:sp>
+        <p:nvSpPr>
+          <p:cNvPr id="3" name="Content Placeholder 2">
+            <a:extLst>
+              <a:ext uri="{FF2B5EF4-FFF2-40B4-BE49-F238E27FC236}">
+                <a16:creationId xmlns:a16="http://schemas.microsoft.com/office/drawing/2014/main" id="{5ABC9F4E-4384-4C1C-AFE7-3F5A8CE20143}"/>
+              </a:ext>
+            </a:extLst>
+          </p:cNvPr>
+          <p:cNvSpPr>
+            <a:spLocks noGrp="1"/>
+          </p:cNvSpPr>
+          <p:nvPr>
+            <p:ph idx="1"/>
+          </p:nvPr>
+        </p:nvSpPr>
+        <p:spPr/>
+        <p:txBody>
+          <a:bodyPr/>
+          <a:lstStyle/>
+          <a:p>
+            <a:r>
+              <a:rPr lang="en-US" dirty="0">
+                <a:highlight>
+                  <a:srgbClr val="FFFF00"/>
+                </a:highlight>
+              </a:rPr>
+              <a:t>Exercise</a:t>
+            </a:r>
+            <a:r>
+              <a:rPr lang="en-US" dirty="0"/>
+              <a:t>:</a:t>
+            </a:r>
+          </a:p>
+          <a:p>
+            <a:pPr lvl="1"/>
+            <a:r>
+              <a:rPr lang="en-US" dirty="0"/>
+              <a:t>Go to tests folder</a:t>
+            </a:r>
+          </a:p>
+          <a:p>
+            <a:pPr lvl="1"/>
+            <a:r>
+              <a:rPr lang="en-US" dirty="0"/>
+              <a:t>Run the following:</a:t>
+            </a:r>
+          </a:p>
+          <a:p>
+            <a:pPr lvl="2"/>
+            <a:r>
+              <a:rPr lang="en-US" dirty="0" err="1"/>
+              <a:t>pytest</a:t>
+            </a:r>
+            <a:endParaRPr lang="en-US" dirty="0"/>
+          </a:p>
+          <a:p>
+            <a:pPr lvl="2"/>
+            <a:r>
+              <a:rPr lang="en-US" dirty="0" err="1"/>
+              <a:t>pytest</a:t>
+            </a:r>
+            <a:r>
+              <a:rPr lang="en-US" dirty="0"/>
+              <a:t> ex1</a:t>
+            </a:r>
+          </a:p>
+          <a:p>
+            <a:pPr lvl="2"/>
+            <a:r>
+              <a:rPr lang="en-US" dirty="0" err="1"/>
+              <a:t>pytest</a:t>
+            </a:r>
+            <a:r>
+              <a:rPr lang="en-US" dirty="0"/>
+              <a:t> ex2</a:t>
+            </a:r>
+          </a:p>
+          <a:p>
+            <a:pPr lvl="2"/>
+            <a:r>
+              <a:rPr lang="en-US" dirty="0" err="1"/>
+              <a:t>pytest</a:t>
+            </a:r>
+            <a:r>
+              <a:rPr lang="en-US" dirty="0"/>
+              <a:t> ex2 ex3</a:t>
+            </a:r>
+          </a:p>
+        </p:txBody>
+      </p:sp>
+    </p:spTree>
+    <p:extLst>
+      <p:ext uri="{BB962C8B-B14F-4D97-AF65-F5344CB8AC3E}">
+        <p14:creationId xmlns:p14="http://schemas.microsoft.com/office/powerpoint/2010/main" val="2029342427"/>
       </p:ext>
     </p:extLst>
   </p:cSld>

--- a/slides/Unit Test with Pytest.pptx
+++ b/slides/Unit Test with Pytest.pptx
@@ -6,12 +6,17 @@
   </p:sldMasterIdLst>
   <p:sldIdLst>
     <p:sldId id="256" r:id="rId2"/>
-    <p:sldId id="257" r:id="rId3"/>
-    <p:sldId id="258" r:id="rId4"/>
-    <p:sldId id="259" r:id="rId5"/>
-    <p:sldId id="260" r:id="rId6"/>
-    <p:sldId id="261" r:id="rId7"/>
-    <p:sldId id="262" r:id="rId8"/>
+    <p:sldId id="264" r:id="rId3"/>
+    <p:sldId id="265" r:id="rId4"/>
+    <p:sldId id="257" r:id="rId5"/>
+    <p:sldId id="258" r:id="rId6"/>
+    <p:sldId id="259" r:id="rId7"/>
+    <p:sldId id="260" r:id="rId8"/>
+    <p:sldId id="261" r:id="rId9"/>
+    <p:sldId id="263" r:id="rId10"/>
+    <p:sldId id="262" r:id="rId11"/>
+    <p:sldId id="266" r:id="rId12"/>
+    <p:sldId id="267" r:id="rId13"/>
   </p:sldIdLst>
   <p:sldSz cx="9144000" cy="6858000" type="screen4x3"/>
   <p:notesSz cx="6858000" cy="9144000"/>
@@ -3054,6 +3059,529 @@
 </p:sld>
 </file>
 
+<file path=ppt/slides/slide10.xml><?xml version="1.0" encoding="utf-8"?>
+<p:sld xmlns:a="http://schemas.openxmlformats.org/drawingml/2006/main" xmlns:r="http://schemas.openxmlformats.org/officeDocument/2006/relationships" xmlns:p="http://schemas.openxmlformats.org/presentationml/2006/main">
+  <p:cSld>
+    <p:spTree>
+      <p:nvGrpSpPr>
+        <p:cNvPr id="1" name=""/>
+        <p:cNvGrpSpPr/>
+        <p:nvPr/>
+      </p:nvGrpSpPr>
+      <p:grpSpPr>
+        <a:xfrm>
+          <a:off x="0" y="0"/>
+          <a:ext cx="0" cy="0"/>
+          <a:chOff x="0" y="0"/>
+          <a:chExt cx="0" cy="0"/>
+        </a:xfrm>
+      </p:grpSpPr>
+      <p:sp>
+        <p:nvSpPr>
+          <p:cNvPr id="2" name="Title 1">
+            <a:extLst>
+              <a:ext uri="{FF2B5EF4-FFF2-40B4-BE49-F238E27FC236}">
+                <a16:creationId xmlns:a16="http://schemas.microsoft.com/office/drawing/2014/main" id="{C19327DD-8322-4598-B041-0EC57CF616E7}"/>
+              </a:ext>
+            </a:extLst>
+          </p:cNvPr>
+          <p:cNvSpPr>
+            <a:spLocks noGrp="1"/>
+          </p:cNvSpPr>
+          <p:nvPr>
+            <p:ph type="title"/>
+          </p:nvPr>
+        </p:nvSpPr>
+        <p:spPr>
+          <a:xfrm>
+            <a:off x="628650" y="365126"/>
+            <a:ext cx="7886700" cy="1325563"/>
+          </a:xfrm>
+        </p:spPr>
+        <p:txBody>
+          <a:bodyPr/>
+          <a:lstStyle/>
+          <a:p>
+            <a:r>
+              <a:rPr lang="en-US"/>
+              <a:t>Run tests by folders</a:t>
+            </a:r>
+            <a:endParaRPr lang="en-US" dirty="0"/>
+          </a:p>
+        </p:txBody>
+      </p:sp>
+      <p:sp>
+        <p:nvSpPr>
+          <p:cNvPr id="3" name="Content Placeholder 2">
+            <a:extLst>
+              <a:ext uri="{FF2B5EF4-FFF2-40B4-BE49-F238E27FC236}">
+                <a16:creationId xmlns:a16="http://schemas.microsoft.com/office/drawing/2014/main" id="{5ABC9F4E-4384-4C1C-AFE7-3F5A8CE20143}"/>
+              </a:ext>
+            </a:extLst>
+          </p:cNvPr>
+          <p:cNvSpPr>
+            <a:spLocks noGrp="1"/>
+          </p:cNvSpPr>
+          <p:nvPr>
+            <p:ph idx="1"/>
+          </p:nvPr>
+        </p:nvSpPr>
+        <p:spPr>
+          <a:xfrm>
+            <a:off x="628650" y="1825625"/>
+            <a:ext cx="7886700" cy="4351338"/>
+          </a:xfrm>
+        </p:spPr>
+        <p:txBody>
+          <a:bodyPr/>
+          <a:lstStyle/>
+          <a:p>
+            <a:r>
+              <a:rPr lang="en-US">
+                <a:highlight>
+                  <a:srgbClr val="FFFF00"/>
+                </a:highlight>
+              </a:rPr>
+              <a:t>Exercise</a:t>
+            </a:r>
+            <a:r>
+              <a:rPr lang="en-US"/>
+              <a:t>:</a:t>
+            </a:r>
+          </a:p>
+          <a:p>
+            <a:pPr lvl="1"/>
+            <a:r>
+              <a:rPr lang="en-US"/>
+              <a:t>Go to tests folder</a:t>
+            </a:r>
+          </a:p>
+          <a:p>
+            <a:pPr lvl="1"/>
+            <a:r>
+              <a:rPr lang="en-US"/>
+              <a:t>Run the following:</a:t>
+            </a:r>
+          </a:p>
+          <a:p>
+            <a:pPr lvl="2"/>
+            <a:r>
+              <a:rPr lang="en-US"/>
+              <a:t>pytest</a:t>
+            </a:r>
+          </a:p>
+          <a:p>
+            <a:pPr lvl="2"/>
+            <a:r>
+              <a:rPr lang="en-US"/>
+              <a:t>pytest ex1</a:t>
+            </a:r>
+          </a:p>
+          <a:p>
+            <a:pPr lvl="2"/>
+            <a:r>
+              <a:rPr lang="en-US"/>
+              <a:t>pytest ex2</a:t>
+            </a:r>
+          </a:p>
+          <a:p>
+            <a:pPr lvl="2"/>
+            <a:r>
+              <a:rPr lang="en-US"/>
+              <a:t>pytest ex2 ex3</a:t>
+            </a:r>
+            <a:endParaRPr lang="en-US" dirty="0"/>
+          </a:p>
+        </p:txBody>
+      </p:sp>
+    </p:spTree>
+    <p:extLst>
+      <p:ext uri="{BB962C8B-B14F-4D97-AF65-F5344CB8AC3E}">
+        <p14:creationId xmlns:p14="http://schemas.microsoft.com/office/powerpoint/2010/main" val="2029342427"/>
+      </p:ext>
+    </p:extLst>
+  </p:cSld>
+  <p:clrMapOvr>
+    <a:masterClrMapping/>
+  </p:clrMapOvr>
+</p:sld>
+</file>
+
+<file path=ppt/slides/slide11.xml><?xml version="1.0" encoding="utf-8"?>
+<p:sld xmlns:a="http://schemas.openxmlformats.org/drawingml/2006/main" xmlns:r="http://schemas.openxmlformats.org/officeDocument/2006/relationships" xmlns:p="http://schemas.openxmlformats.org/presentationml/2006/main">
+  <p:cSld>
+    <p:spTree>
+      <p:nvGrpSpPr>
+        <p:cNvPr id="1" name=""/>
+        <p:cNvGrpSpPr/>
+        <p:nvPr/>
+      </p:nvGrpSpPr>
+      <p:grpSpPr>
+        <a:xfrm>
+          <a:off x="0" y="0"/>
+          <a:ext cx="0" cy="0"/>
+          <a:chOff x="0" y="0"/>
+          <a:chExt cx="0" cy="0"/>
+        </a:xfrm>
+      </p:grpSpPr>
+      <p:sp>
+        <p:nvSpPr>
+          <p:cNvPr id="2" name="Title 1">
+            <a:extLst>
+              <a:ext uri="{FF2B5EF4-FFF2-40B4-BE49-F238E27FC236}">
+                <a16:creationId xmlns:a16="http://schemas.microsoft.com/office/drawing/2014/main" id="{C4F6EB26-4DB7-4F5D-B0A0-25F9682815CD}"/>
+              </a:ext>
+            </a:extLst>
+          </p:cNvPr>
+          <p:cNvSpPr>
+            <a:spLocks noGrp="1"/>
+          </p:cNvSpPr>
+          <p:nvPr>
+            <p:ph type="title"/>
+          </p:nvPr>
+        </p:nvSpPr>
+        <p:spPr/>
+        <p:txBody>
+          <a:bodyPr/>
+          <a:lstStyle/>
+          <a:p>
+            <a:r>
+              <a:rPr lang="en-US" dirty="0"/>
+              <a:t>Parameterized test cases</a:t>
+            </a:r>
+          </a:p>
+        </p:txBody>
+      </p:sp>
+      <p:sp>
+        <p:nvSpPr>
+          <p:cNvPr id="3" name="Content Placeholder 2">
+            <a:extLst>
+              <a:ext uri="{FF2B5EF4-FFF2-40B4-BE49-F238E27FC236}">
+                <a16:creationId xmlns:a16="http://schemas.microsoft.com/office/drawing/2014/main" id="{C314F166-29EC-40A6-B849-658A5CAA59B7}"/>
+              </a:ext>
+            </a:extLst>
+          </p:cNvPr>
+          <p:cNvSpPr>
+            <a:spLocks noGrp="1"/>
+          </p:cNvSpPr>
+          <p:nvPr>
+            <p:ph idx="1"/>
+          </p:nvPr>
+        </p:nvSpPr>
+        <p:spPr/>
+        <p:txBody>
+          <a:bodyPr/>
+          <a:lstStyle/>
+          <a:p>
+            <a:endParaRPr lang="en-US"/>
+          </a:p>
+        </p:txBody>
+      </p:sp>
+      <p:pic>
+        <p:nvPicPr>
+          <p:cNvPr id="4" name="Picture 3">
+            <a:extLst>
+              <a:ext uri="{FF2B5EF4-FFF2-40B4-BE49-F238E27FC236}">
+                <a16:creationId xmlns:a16="http://schemas.microsoft.com/office/drawing/2014/main" id="{587996BE-90BC-4779-80AE-5D256D8D2613}"/>
+              </a:ext>
+            </a:extLst>
+          </p:cNvPr>
+          <p:cNvPicPr>
+            <a:picLocks noChangeAspect="1"/>
+          </p:cNvPicPr>
+          <p:nvPr/>
+        </p:nvPicPr>
+        <p:blipFill>
+          <a:blip r:embed="rId2"/>
+          <a:stretch>
+            <a:fillRect/>
+          </a:stretch>
+        </p:blipFill>
+        <p:spPr>
+          <a:xfrm>
+            <a:off x="355600" y="1390197"/>
+            <a:ext cx="8229600" cy="4443306"/>
+          </a:xfrm>
+          <a:prstGeom prst="rect">
+            <a:avLst/>
+          </a:prstGeom>
+        </p:spPr>
+      </p:pic>
+      <p:sp>
+        <p:nvSpPr>
+          <p:cNvPr id="5" name="TextBox 4">
+            <a:extLst>
+              <a:ext uri="{FF2B5EF4-FFF2-40B4-BE49-F238E27FC236}">
+                <a16:creationId xmlns:a16="http://schemas.microsoft.com/office/drawing/2014/main" id="{EB5AB1E2-4E39-451E-B717-178C0C7798B4}"/>
+              </a:ext>
+            </a:extLst>
+          </p:cNvPr>
+          <p:cNvSpPr txBox="1"/>
+          <p:nvPr/>
+        </p:nvSpPr>
+        <p:spPr>
+          <a:xfrm>
+            <a:off x="6307417" y="5467803"/>
+            <a:ext cx="2480983" cy="1200329"/>
+          </a:xfrm>
+          <a:prstGeom prst="rect">
+            <a:avLst/>
+          </a:prstGeom>
+          <a:solidFill>
+            <a:srgbClr val="FFFF00"/>
+          </a:solidFill>
+          <a:ln w="76200">
+            <a:solidFill>
+              <a:schemeClr val="tx1">
+                <a:lumMod val="95000"/>
+                <a:lumOff val="5000"/>
+              </a:schemeClr>
+            </a:solidFill>
+          </a:ln>
+        </p:spPr>
+        <p:txBody>
+          <a:bodyPr wrap="square" rtlCol="0">
+            <a:spAutoFit/>
+          </a:bodyPr>
+          <a:lstStyle/>
+          <a:p>
+            <a:r>
+              <a:rPr lang="en-US" dirty="0"/>
+              <a:t>Exercise:</a:t>
+            </a:r>
+          </a:p>
+          <a:p>
+            <a:pPr marL="342900" indent="-342900">
+              <a:buAutoNum type="arabicPeriod"/>
+            </a:pPr>
+            <a:r>
+              <a:rPr lang="en-US" dirty="0"/>
+              <a:t>Go to ex4 folder</a:t>
+            </a:r>
+          </a:p>
+          <a:p>
+            <a:pPr marL="342900" indent="-342900">
+              <a:buAutoNum type="arabicPeriod"/>
+            </a:pPr>
+            <a:r>
+              <a:rPr lang="en-US" dirty="0"/>
+              <a:t>Try the above 3</a:t>
+            </a:r>
+          </a:p>
+          <a:p>
+            <a:endParaRPr lang="en-US" dirty="0"/>
+          </a:p>
+        </p:txBody>
+      </p:sp>
+    </p:spTree>
+    <p:extLst>
+      <p:ext uri="{BB962C8B-B14F-4D97-AF65-F5344CB8AC3E}">
+        <p14:creationId xmlns:p14="http://schemas.microsoft.com/office/powerpoint/2010/main" val="817350556"/>
+      </p:ext>
+    </p:extLst>
+  </p:cSld>
+  <p:clrMapOvr>
+    <a:masterClrMapping/>
+  </p:clrMapOvr>
+</p:sld>
+</file>
+
+<file path=ppt/slides/slide12.xml><?xml version="1.0" encoding="utf-8"?>
+<p:sld xmlns:a="http://schemas.openxmlformats.org/drawingml/2006/main" xmlns:r="http://schemas.openxmlformats.org/officeDocument/2006/relationships" xmlns:p="http://schemas.openxmlformats.org/presentationml/2006/main">
+  <p:cSld>
+    <p:spTree>
+      <p:nvGrpSpPr>
+        <p:cNvPr id="1" name=""/>
+        <p:cNvGrpSpPr/>
+        <p:nvPr/>
+      </p:nvGrpSpPr>
+      <p:grpSpPr>
+        <a:xfrm>
+          <a:off x="0" y="0"/>
+          <a:ext cx="0" cy="0"/>
+          <a:chOff x="0" y="0"/>
+          <a:chExt cx="0" cy="0"/>
+        </a:xfrm>
+      </p:grpSpPr>
+      <p:sp>
+        <p:nvSpPr>
+          <p:cNvPr id="2" name="Title 1">
+            <a:extLst>
+              <a:ext uri="{FF2B5EF4-FFF2-40B4-BE49-F238E27FC236}">
+                <a16:creationId xmlns:a16="http://schemas.microsoft.com/office/drawing/2014/main" id="{035A3854-0ECC-4BA0-86CA-08E2342AEA0F}"/>
+              </a:ext>
+            </a:extLst>
+          </p:cNvPr>
+          <p:cNvSpPr>
+            <a:spLocks noGrp="1"/>
+          </p:cNvSpPr>
+          <p:nvPr>
+            <p:ph type="title"/>
+          </p:nvPr>
+        </p:nvSpPr>
+        <p:spPr/>
+        <p:txBody>
+          <a:bodyPr/>
+          <a:lstStyle/>
+          <a:p>
+            <a:r>
+              <a:rPr lang="en-US" dirty="0"/>
+              <a:t>Marked test cases</a:t>
+            </a:r>
+          </a:p>
+        </p:txBody>
+      </p:sp>
+      <p:sp>
+        <p:nvSpPr>
+          <p:cNvPr id="3" name="Content Placeholder 2">
+            <a:extLst>
+              <a:ext uri="{FF2B5EF4-FFF2-40B4-BE49-F238E27FC236}">
+                <a16:creationId xmlns:a16="http://schemas.microsoft.com/office/drawing/2014/main" id="{AB9E7BFA-F6E8-4D1B-B0DE-B1C1A8B78375}"/>
+              </a:ext>
+            </a:extLst>
+          </p:cNvPr>
+          <p:cNvSpPr>
+            <a:spLocks noGrp="1"/>
+          </p:cNvSpPr>
+          <p:nvPr>
+            <p:ph idx="1"/>
+          </p:nvPr>
+        </p:nvSpPr>
+        <p:spPr/>
+        <p:txBody>
+          <a:bodyPr/>
+          <a:lstStyle/>
+          <a:p>
+            <a:endParaRPr lang="en-US"/>
+          </a:p>
+        </p:txBody>
+      </p:sp>
+      <p:pic>
+        <p:nvPicPr>
+          <p:cNvPr id="4" name="Picture 3">
+            <a:extLst>
+              <a:ext uri="{FF2B5EF4-FFF2-40B4-BE49-F238E27FC236}">
+                <a16:creationId xmlns:a16="http://schemas.microsoft.com/office/drawing/2014/main" id="{7FC1C3E2-887A-4CC9-A6C7-B5CFC97F22B3}"/>
+              </a:ext>
+            </a:extLst>
+          </p:cNvPr>
+          <p:cNvPicPr>
+            <a:picLocks noChangeAspect="1"/>
+          </p:cNvPicPr>
+          <p:nvPr/>
+        </p:nvPicPr>
+        <p:blipFill>
+          <a:blip r:embed="rId2"/>
+          <a:stretch>
+            <a:fillRect/>
+          </a:stretch>
+        </p:blipFill>
+        <p:spPr>
+          <a:xfrm>
+            <a:off x="297543" y="1629504"/>
+            <a:ext cx="8389257" cy="3598991"/>
+          </a:xfrm>
+          <a:prstGeom prst="rect">
+            <a:avLst/>
+          </a:prstGeom>
+        </p:spPr>
+      </p:pic>
+      <p:sp>
+        <p:nvSpPr>
+          <p:cNvPr id="5" name="TextBox 4">
+            <a:extLst>
+              <a:ext uri="{FF2B5EF4-FFF2-40B4-BE49-F238E27FC236}">
+                <a16:creationId xmlns:a16="http://schemas.microsoft.com/office/drawing/2014/main" id="{78F955DA-7473-486C-88B7-F213ECA7BB0C}"/>
+              </a:ext>
+            </a:extLst>
+          </p:cNvPr>
+          <p:cNvSpPr txBox="1"/>
+          <p:nvPr/>
+        </p:nvSpPr>
+        <p:spPr>
+          <a:xfrm>
+            <a:off x="5434319" y="5172616"/>
+            <a:ext cx="3338206" cy="1477328"/>
+          </a:xfrm>
+          <a:prstGeom prst="rect">
+            <a:avLst/>
+          </a:prstGeom>
+          <a:solidFill>
+            <a:srgbClr val="FFFF00"/>
+          </a:solidFill>
+          <a:ln w="76200">
+            <a:solidFill>
+              <a:schemeClr val="tx1">
+                <a:lumMod val="95000"/>
+                <a:lumOff val="5000"/>
+              </a:schemeClr>
+            </a:solidFill>
+          </a:ln>
+        </p:spPr>
+        <p:txBody>
+          <a:bodyPr wrap="square" rtlCol="0">
+            <a:spAutoFit/>
+          </a:bodyPr>
+          <a:lstStyle/>
+          <a:p>
+            <a:r>
+              <a:rPr lang="en-US" dirty="0"/>
+              <a:t>Exercise:</a:t>
+            </a:r>
+          </a:p>
+          <a:p>
+            <a:pPr marL="342900" indent="-342900">
+              <a:buAutoNum type="arabicPeriod"/>
+            </a:pPr>
+            <a:r>
+              <a:rPr lang="en-US" dirty="0"/>
+              <a:t>Go to ex5 folder</a:t>
+            </a:r>
+          </a:p>
+          <a:p>
+            <a:pPr marL="342900" indent="-342900">
+              <a:buAutoNum type="arabicPeriod"/>
+            </a:pPr>
+            <a:r>
+              <a:rPr lang="en-US" dirty="0" err="1"/>
+              <a:t>pytest</a:t>
+            </a:r>
+            <a:r>
+              <a:rPr lang="en-US" dirty="0"/>
+              <a:t> –v</a:t>
+            </a:r>
+          </a:p>
+          <a:p>
+            <a:pPr marL="342900" indent="-342900">
+              <a:buAutoNum type="arabicPeriod"/>
+            </a:pPr>
+            <a:r>
+              <a:rPr lang="en-US" dirty="0" err="1"/>
+              <a:t>pytest</a:t>
+            </a:r>
+            <a:r>
+              <a:rPr lang="en-US" dirty="0"/>
+              <a:t> –v –m basic</a:t>
+            </a:r>
+          </a:p>
+          <a:p>
+            <a:endParaRPr lang="en-US" dirty="0"/>
+          </a:p>
+        </p:txBody>
+      </p:sp>
+    </p:spTree>
+    <p:extLst>
+      <p:ext uri="{BB962C8B-B14F-4D97-AF65-F5344CB8AC3E}">
+        <p14:creationId xmlns:p14="http://schemas.microsoft.com/office/powerpoint/2010/main" val="1805520265"/>
+      </p:ext>
+    </p:extLst>
+  </p:cSld>
+  <p:clrMapOvr>
+    <a:masterClrMapping/>
+  </p:clrMapOvr>
+</p:sld>
+</file>
+
 <file path=ppt/slides/slide2.xml><?xml version="1.0" encoding="utf-8"?>
 <p:sld xmlns:a="http://schemas.openxmlformats.org/drawingml/2006/main" xmlns:r="http://schemas.openxmlformats.org/officeDocument/2006/relationships" xmlns:p="http://schemas.openxmlformats.org/presentationml/2006/main">
   <p:cSld>
@@ -3076,7 +3604,7 @@
           <p:cNvPr id="2" name="Title 1">
             <a:extLst>
               <a:ext uri="{FF2B5EF4-FFF2-40B4-BE49-F238E27FC236}">
-                <a16:creationId xmlns:a16="http://schemas.microsoft.com/office/drawing/2014/main" id="{3DA7E377-D0D4-4E1B-8EEA-847499AE950F}"/>
+                <a16:creationId xmlns:a16="http://schemas.microsoft.com/office/drawing/2014/main" id="{55676C2D-F6C8-40B6-BC39-B750B404C8AF}"/>
               </a:ext>
             </a:extLst>
           </p:cNvPr>
@@ -3093,12 +3621,16 @@
           <a:lstStyle/>
           <a:p>
             <a:r>
-              <a:rPr lang="en-US" b="1" dirty="0"/>
-              <a:t>assert</a:t>
-            </a:r>
-            <a:r>
-              <a:rPr lang="en-US" dirty="0"/>
-              <a:t> keyword: basis of unit test</a:t>
+              <a:rPr lang="en-US" dirty="0"/>
+              <a:t>What is </a:t>
+            </a:r>
+            <a:r>
+              <a:rPr lang="en-US" dirty="0" err="1"/>
+              <a:t>pytest</a:t>
+            </a:r>
+            <a:r>
+              <a:rPr lang="en-US" dirty="0"/>
+              <a:t>?</a:t>
             </a:r>
           </a:p>
         </p:txBody>
@@ -3108,7 +3640,7 @@
           <p:cNvPr id="3" name="Content Placeholder 2">
             <a:extLst>
               <a:ext uri="{FF2B5EF4-FFF2-40B4-BE49-F238E27FC236}">
-                <a16:creationId xmlns:a16="http://schemas.microsoft.com/office/drawing/2014/main" id="{5381E258-B606-4380-8D18-09EB6A6B170B}"/>
+                <a16:creationId xmlns:a16="http://schemas.microsoft.com/office/drawing/2014/main" id="{6A16F1DA-31AF-418C-AEB1-25E94E8B0442}"/>
               </a:ext>
             </a:extLst>
           </p:cNvPr>
@@ -3125,41 +3657,20 @@
           <a:lstStyle/>
           <a:p>
             <a:r>
-              <a:rPr lang="en-US" b="1" dirty="0"/>
-              <a:t>assert</a:t>
-            </a:r>
-            <a:r>
-              <a:rPr lang="en-US" dirty="0"/>
-              <a:t> takes any expression. If the expression returns:</a:t>
-            </a:r>
-          </a:p>
-          <a:p>
-            <a:pPr lvl="1"/>
-            <a:r>
-              <a:rPr lang="en-US" dirty="0"/>
-              <a:t>True: do nothing</a:t>
-            </a:r>
-          </a:p>
-          <a:p>
-            <a:pPr lvl="1"/>
-            <a:r>
-              <a:rPr lang="en-US" dirty="0"/>
-              <a:t>False: throw </a:t>
-            </a:r>
-            <a:r>
-              <a:rPr lang="en-US" dirty="0" err="1"/>
-              <a:t>AssertionError</a:t>
-            </a:r>
-            <a:endParaRPr lang="en-US" dirty="0"/>
-          </a:p>
-          <a:p>
-            <a:pPr lvl="1"/>
-            <a:endParaRPr lang="en-US" dirty="0"/>
-          </a:p>
-          <a:p>
-            <a:r>
-              <a:rPr lang="en-US" dirty="0"/>
-              <a:t>Exercise: try assert in python interpreter</a:t>
+              <a:rPr lang="en-US" dirty="0"/>
+              <a:t>Open-source Python testing framework</a:t>
+            </a:r>
+          </a:p>
+          <a:p>
+            <a:r>
+              <a:rPr lang="en-US" dirty="0"/>
+              <a:t>Not part of Python standard library</a:t>
+            </a:r>
+          </a:p>
+          <a:p>
+            <a:r>
+              <a:rPr lang="en-US" dirty="0"/>
+              <a:t>Active since 2007 and arguably most popular testing framework in Python</a:t>
             </a:r>
           </a:p>
         </p:txBody>
@@ -3167,7 +3678,7 @@
     </p:spTree>
     <p:extLst>
       <p:ext uri="{BB962C8B-B14F-4D97-AF65-F5344CB8AC3E}">
-        <p14:creationId xmlns:p14="http://schemas.microsoft.com/office/powerpoint/2010/main" val="3487019084"/>
+        <p14:creationId xmlns:p14="http://schemas.microsoft.com/office/powerpoint/2010/main" val="2467588240"/>
       </p:ext>
     </p:extLst>
   </p:cSld>
@@ -3199,7 +3710,7 @@
           <p:cNvPr id="2" name="Title 1">
             <a:extLst>
               <a:ext uri="{FF2B5EF4-FFF2-40B4-BE49-F238E27FC236}">
-                <a16:creationId xmlns:a16="http://schemas.microsoft.com/office/drawing/2014/main" id="{8788B2B4-9F56-4372-9417-4B1D5F9C4910}"/>
+                <a16:creationId xmlns:a16="http://schemas.microsoft.com/office/drawing/2014/main" id="{55676C2D-F6C8-40B6-BC39-B750B404C8AF}"/>
               </a:ext>
             </a:extLst>
           </p:cNvPr>
@@ -3217,8 +3728,13 @@
           <a:p>
             <a:r>
               <a:rPr lang="en-US" dirty="0"/>
-              <a:t>One test case in one file</a:t>
-            </a:r>
+              <a:t>Key points about learning </a:t>
+            </a:r>
+            <a:r>
+              <a:rPr lang="en-US" dirty="0" err="1"/>
+              <a:t>pytest</a:t>
+            </a:r>
+            <a:endParaRPr lang="en-US" dirty="0"/>
           </a:p>
         </p:txBody>
       </p:sp>
@@ -3227,7 +3743,7 @@
           <p:cNvPr id="3" name="Content Placeholder 2">
             <a:extLst>
               <a:ext uri="{FF2B5EF4-FFF2-40B4-BE49-F238E27FC236}">
-                <a16:creationId xmlns:a16="http://schemas.microsoft.com/office/drawing/2014/main" id="{0D887012-7463-4F42-8BE8-61CA412C5BC4}"/>
+                <a16:creationId xmlns:a16="http://schemas.microsoft.com/office/drawing/2014/main" id="{6A16F1DA-31AF-418C-AEB1-25E94E8B0442}"/>
               </a:ext>
             </a:extLst>
           </p:cNvPr>
@@ -3243,182 +3759,37 @@
           <a:bodyPr/>
           <a:lstStyle/>
           <a:p>
-            <a:pPr marL="0" indent="0">
-              <a:buNone/>
-            </a:pPr>
-            <a:r>
-              <a:rPr lang="en-US" dirty="0"/>
-              <a:t># content of </a:t>
-            </a:r>
-            <a:r>
-              <a:rPr lang="en-US" dirty="0">
-                <a:solidFill>
-                  <a:srgbClr val="00B050"/>
-                </a:solidFill>
-              </a:rPr>
-              <a:t>test_</a:t>
-            </a:r>
-            <a:r>
-              <a:rPr lang="en-US" dirty="0"/>
-              <a:t>sample.py</a:t>
-            </a:r>
-          </a:p>
-          <a:p>
-            <a:pPr marL="0" indent="0">
-              <a:buNone/>
-            </a:pPr>
-            <a:r>
-              <a:rPr lang="en-US" dirty="0"/>
-              <a:t>def </a:t>
-            </a:r>
-            <a:r>
-              <a:rPr lang="en-US" dirty="0" err="1"/>
-              <a:t>inc</a:t>
-            </a:r>
-            <a:r>
-              <a:rPr lang="en-US" dirty="0"/>
-              <a:t>(x):</a:t>
-            </a:r>
-          </a:p>
-          <a:p>
-            <a:pPr marL="0" indent="0">
-              <a:buNone/>
-            </a:pPr>
-            <a:r>
-              <a:rPr lang="en-US" dirty="0"/>
-              <a:t>    return x + 1</a:t>
-            </a:r>
-          </a:p>
-          <a:p>
-            <a:pPr marL="0" indent="0">
-              <a:buNone/>
-            </a:pPr>
-            <a:endParaRPr lang="en-US" dirty="0"/>
-          </a:p>
-          <a:p>
-            <a:pPr marL="0" indent="0">
-              <a:buNone/>
-            </a:pPr>
-            <a:r>
-              <a:rPr lang="en-US" dirty="0"/>
-              <a:t>def </a:t>
-            </a:r>
-            <a:r>
-              <a:rPr lang="en-US" dirty="0">
-                <a:solidFill>
-                  <a:srgbClr val="00B050"/>
-                </a:solidFill>
-              </a:rPr>
-              <a:t>test_</a:t>
-            </a:r>
-            <a:r>
-              <a:rPr lang="en-US" dirty="0"/>
-              <a:t>case_1():</a:t>
-            </a:r>
-          </a:p>
-          <a:p>
-            <a:pPr marL="0" indent="0">
-              <a:buNone/>
-            </a:pPr>
-            <a:r>
-              <a:rPr lang="en-US" dirty="0"/>
-              <a:t>    assert </a:t>
-            </a:r>
-            <a:r>
-              <a:rPr lang="en-US" dirty="0" err="1"/>
-              <a:t>inc</a:t>
-            </a:r>
-            <a:r>
-              <a:rPr lang="en-US" dirty="0"/>
-              <a:t>(3) == 5</a:t>
-            </a:r>
-          </a:p>
-        </p:txBody>
-      </p:sp>
-      <p:sp>
-        <p:nvSpPr>
-          <p:cNvPr id="5" name="TextBox 4">
-            <a:extLst>
-              <a:ext uri="{FF2B5EF4-FFF2-40B4-BE49-F238E27FC236}">
-                <a16:creationId xmlns:a16="http://schemas.microsoft.com/office/drawing/2014/main" id="{1CD7AE17-B400-4BF2-9A82-470DB7737B60}"/>
-              </a:ext>
-            </a:extLst>
-          </p:cNvPr>
-          <p:cNvSpPr txBox="1"/>
-          <p:nvPr/>
-        </p:nvSpPr>
-        <p:spPr>
-          <a:xfrm>
-            <a:off x="5513294" y="4834571"/>
-            <a:ext cx="2480983" cy="1477328"/>
-          </a:xfrm>
-          <a:prstGeom prst="rect">
-            <a:avLst/>
-          </a:prstGeom>
-          <a:solidFill>
-            <a:srgbClr val="FFFF00"/>
-          </a:solidFill>
-          <a:ln w="76200">
-            <a:solidFill>
-              <a:schemeClr val="tx1">
-                <a:lumMod val="95000"/>
-                <a:lumOff val="5000"/>
-              </a:schemeClr>
-            </a:solidFill>
-          </a:ln>
-        </p:spPr>
-        <p:txBody>
-          <a:bodyPr wrap="square" rtlCol="0">
-            <a:spAutoFit/>
-          </a:bodyPr>
-          <a:lstStyle/>
-          <a:p>
-            <a:r>
-              <a:rPr lang="en-US" dirty="0"/>
-              <a:t>Exercise:</a:t>
-            </a:r>
-          </a:p>
-          <a:p>
-            <a:pPr marL="342900" indent="-342900">
-              <a:buAutoNum type="arabicPeriod"/>
-            </a:pPr>
-            <a:r>
-              <a:rPr lang="en-US" dirty="0"/>
-              <a:t>Go to ex1 folder</a:t>
-            </a:r>
-          </a:p>
-          <a:p>
-            <a:pPr marL="342900" indent="-342900">
-              <a:buAutoNum type="arabicPeriod"/>
-            </a:pPr>
+            <a:r>
+              <a:rPr lang="en-US" dirty="0"/>
+              <a:t>How to write test cases</a:t>
+            </a:r>
+          </a:p>
+          <a:p>
+            <a:r>
+              <a:rPr lang="en-US" dirty="0"/>
+              <a:t>How </a:t>
+            </a:r>
             <a:r>
               <a:rPr lang="en-US" dirty="0" err="1"/>
               <a:t>pytest</a:t>
             </a:r>
-            <a:endParaRPr lang="en-US" dirty="0"/>
-          </a:p>
-          <a:p>
-            <a:pPr marL="342900" indent="-342900">
-              <a:buAutoNum type="arabicPeriod"/>
-            </a:pPr>
-            <a:r>
-              <a:rPr lang="en-US" dirty="0" err="1"/>
-              <a:t>pytest</a:t>
-            </a:r>
-            <a:r>
-              <a:rPr lang="en-US" dirty="0"/>
-              <a:t> -v</a:t>
-            </a:r>
-          </a:p>
-          <a:p>
-            <a:endParaRPr lang="en-US" dirty="0"/>
+            <a:r>
+              <a:rPr lang="en-US" dirty="0"/>
+              <a:t> determines if a test case passes/fails</a:t>
+            </a:r>
+          </a:p>
+          <a:p>
+            <a:r>
+              <a:rPr lang="en-US" dirty="0"/>
+              <a:t>How to choose what test cases to run or not to run</a:t>
+            </a:r>
           </a:p>
         </p:txBody>
       </p:sp>
     </p:spTree>
     <p:extLst>
       <p:ext uri="{BB962C8B-B14F-4D97-AF65-F5344CB8AC3E}">
-        <p14:creationId xmlns:p14="http://schemas.microsoft.com/office/powerpoint/2010/main" val="2076752010"/>
+        <p14:creationId xmlns:p14="http://schemas.microsoft.com/office/powerpoint/2010/main" val="436629841"/>
       </p:ext>
     </p:extLst>
   </p:cSld>
@@ -3450,7 +3821,7 @@
           <p:cNvPr id="2" name="Title 1">
             <a:extLst>
               <a:ext uri="{FF2B5EF4-FFF2-40B4-BE49-F238E27FC236}">
-                <a16:creationId xmlns:a16="http://schemas.microsoft.com/office/drawing/2014/main" id="{D55D98D0-B1AA-472C-833D-13572E4359B2}"/>
+                <a16:creationId xmlns:a16="http://schemas.microsoft.com/office/drawing/2014/main" id="{3DA7E377-D0D4-4E1B-8EEA-847499AE950F}"/>
               </a:ext>
             </a:extLst>
           </p:cNvPr>
@@ -3467,8 +3838,12 @@
           <a:lstStyle/>
           <a:p>
             <a:r>
-              <a:rPr lang="en-US" dirty="0"/>
-              <a:t>Auto discovery of test cases</a:t>
+              <a:rPr lang="en-US" b="1" dirty="0"/>
+              <a:t>assert</a:t>
+            </a:r>
+            <a:r>
+              <a:rPr lang="en-US" dirty="0"/>
+              <a:t> keyword: basis of unit test</a:t>
             </a:r>
           </a:p>
         </p:txBody>
@@ -3478,7 +3853,7 @@
           <p:cNvPr id="3" name="Content Placeholder 2">
             <a:extLst>
               <a:ext uri="{FF2B5EF4-FFF2-40B4-BE49-F238E27FC236}">
-                <a16:creationId xmlns:a16="http://schemas.microsoft.com/office/drawing/2014/main" id="{8E89F970-E449-42C4-AAF5-F12B713543D5}"/>
+                <a16:creationId xmlns:a16="http://schemas.microsoft.com/office/drawing/2014/main" id="{5381E258-B606-4380-8D18-09EB6A6B170B}"/>
               </a:ext>
             </a:extLst>
           </p:cNvPr>
@@ -3491,53 +3866,45 @@
         </p:nvSpPr>
         <p:spPr/>
         <p:txBody>
-          <a:bodyPr>
-            <a:normAutofit/>
-          </a:bodyPr>
-          <a:lstStyle/>
-          <a:p>
-            <a:r>
-              <a:rPr lang="en-US" dirty="0"/>
-              <a:t>Collection starts from the current directory.</a:t>
-            </a:r>
-          </a:p>
-          <a:p>
-            <a:r>
-              <a:rPr lang="en-US" dirty="0"/>
-              <a:t>Recurse into directories</a:t>
-            </a:r>
-          </a:p>
-          <a:p>
-            <a:r>
-              <a:rPr lang="en-US" dirty="0"/>
-              <a:t>In those directories, search for </a:t>
+          <a:bodyPr/>
+          <a:lstStyle/>
+          <a:p>
+            <a:r>
+              <a:rPr lang="en-US" b="1" dirty="0"/>
+              <a:t>assert</a:t>
+            </a:r>
+            <a:r>
+              <a:rPr lang="en-US" dirty="0"/>
+              <a:t> takes any expression. If the expression returns:</a:t>
             </a:r>
           </a:p>
           <a:p>
             <a:pPr lvl="1"/>
             <a:r>
               <a:rPr lang="en-US" dirty="0"/>
-              <a:t>test_*.py</a:t>
+              <a:t>True: do nothing</a:t>
             </a:r>
           </a:p>
           <a:p>
             <a:pPr lvl="1"/>
             <a:r>
               <a:rPr lang="en-US" dirty="0"/>
-              <a:t>*_test.py</a:t>
-            </a:r>
-          </a:p>
-          <a:p>
-            <a:r>
-              <a:rPr lang="en-US" dirty="0"/>
-              <a:t>From those files, collect test items:</a:t>
-            </a:r>
+              <a:t>False: throw </a:t>
+            </a:r>
+            <a:r>
+              <a:rPr lang="en-US" dirty="0" err="1"/>
+              <a:t>AssertionError</a:t>
+            </a:r>
+            <a:endParaRPr lang="en-US" dirty="0"/>
           </a:p>
           <a:p>
             <a:pPr lvl="1"/>
-            <a:r>
-              <a:rPr lang="en-US" dirty="0"/>
-              <a:t>test prefixed test functions</a:t>
+            <a:endParaRPr lang="en-US" dirty="0"/>
+          </a:p>
+          <a:p>
+            <a:r>
+              <a:rPr lang="en-US" dirty="0"/>
+              <a:t>Exercise: try assert in python interpreter</a:t>
             </a:r>
           </a:p>
         </p:txBody>
@@ -3545,7 +3912,7 @@
     </p:spTree>
     <p:extLst>
       <p:ext uri="{BB962C8B-B14F-4D97-AF65-F5344CB8AC3E}">
-        <p14:creationId xmlns:p14="http://schemas.microsoft.com/office/powerpoint/2010/main" val="1763494499"/>
+        <p14:creationId xmlns:p14="http://schemas.microsoft.com/office/powerpoint/2010/main" val="3487019084"/>
       </p:ext>
     </p:extLst>
   </p:cSld>
@@ -3577,7 +3944,7 @@
           <p:cNvPr id="2" name="Title 1">
             <a:extLst>
               <a:ext uri="{FF2B5EF4-FFF2-40B4-BE49-F238E27FC236}">
-                <a16:creationId xmlns:a16="http://schemas.microsoft.com/office/drawing/2014/main" id="{F69EEDF2-8B85-4D42-AF69-A58B744157F8}"/>
+                <a16:creationId xmlns:a16="http://schemas.microsoft.com/office/drawing/2014/main" id="{8788B2B4-9F56-4372-9417-4B1D5F9C4910}"/>
               </a:ext>
             </a:extLst>
           </p:cNvPr>
@@ -3595,7 +3962,7 @@
           <a:p>
             <a:r>
               <a:rPr lang="en-US" dirty="0"/>
-              <a:t>Multiple test cases in multiple files</a:t>
+              <a:t>One test case in one file</a:t>
             </a:r>
           </a:p>
         </p:txBody>
@@ -3605,7 +3972,7 @@
           <p:cNvPr id="3" name="Content Placeholder 2">
             <a:extLst>
               <a:ext uri="{FF2B5EF4-FFF2-40B4-BE49-F238E27FC236}">
-                <a16:creationId xmlns:a16="http://schemas.microsoft.com/office/drawing/2014/main" id="{7326BCA0-6BE2-4135-B389-3558BDB5BB58}"/>
+                <a16:creationId xmlns:a16="http://schemas.microsoft.com/office/drawing/2014/main" id="{0D887012-7463-4F42-8BE8-61CA412C5BC4}"/>
               </a:ext>
             </a:extLst>
           </p:cNvPr>
@@ -3621,76 +3988,182 @@
           <a:bodyPr/>
           <a:lstStyle/>
           <a:p>
+            <a:pPr marL="0" indent="0">
+              <a:buNone/>
+            </a:pPr>
+            <a:r>
+              <a:rPr lang="en-US" dirty="0"/>
+              <a:t># content of </a:t>
+            </a:r>
             <a:r>
               <a:rPr lang="en-US" dirty="0">
-                <a:highlight>
-                  <a:srgbClr val="FFFF00"/>
-                </a:highlight>
+                <a:solidFill>
+                  <a:srgbClr val="00B050"/>
+                </a:solidFill>
               </a:rPr>
-              <a:t>Exercise</a:t>
-            </a:r>
-            <a:r>
-              <a:rPr lang="en-US" dirty="0"/>
-              <a:t>:</a:t>
-            </a:r>
-          </a:p>
-          <a:p>
-            <a:pPr lvl="1"/>
-            <a:r>
-              <a:rPr lang="en-US" dirty="0"/>
-              <a:t>Go to ex2 folder</a:t>
-            </a:r>
-          </a:p>
-          <a:p>
-            <a:pPr lvl="1"/>
-            <a:r>
-              <a:rPr lang="en-US" dirty="0"/>
-              <a:t>App code to be tested resides in my_app.py</a:t>
-            </a:r>
-          </a:p>
-          <a:p>
-            <a:pPr lvl="1"/>
-            <a:r>
-              <a:rPr lang="en-US" dirty="0"/>
-              <a:t>Check out the 2 test sample files.</a:t>
-            </a:r>
-          </a:p>
-          <a:p>
-            <a:pPr lvl="1"/>
-            <a:r>
-              <a:rPr lang="en-US" dirty="0"/>
-              <a:t>Add one more test file with your test cases.</a:t>
-            </a:r>
-          </a:p>
-          <a:p>
-            <a:pPr lvl="1"/>
-            <a:r>
-              <a:rPr lang="en-US" dirty="0"/>
-              <a:t>See how </a:t>
-            </a:r>
+              <a:t>test_</a:t>
+            </a:r>
+            <a:r>
+              <a:rPr lang="en-US" dirty="0"/>
+              <a:t>sample.py</a:t>
+            </a:r>
+          </a:p>
+          <a:p>
+            <a:pPr marL="0" indent="0">
+              <a:buNone/>
+            </a:pPr>
+            <a:r>
+              <a:rPr lang="en-US" dirty="0"/>
+              <a:t>def </a:t>
+            </a:r>
+            <a:r>
+              <a:rPr lang="en-US" dirty="0" err="1"/>
+              <a:t>inc</a:t>
+            </a:r>
+            <a:r>
+              <a:rPr lang="en-US" dirty="0"/>
+              <a:t>(x):</a:t>
+            </a:r>
+          </a:p>
+          <a:p>
+            <a:pPr marL="0" indent="0">
+              <a:buNone/>
+            </a:pPr>
+            <a:r>
+              <a:rPr lang="en-US" dirty="0"/>
+              <a:t>    return x + 1</a:t>
+            </a:r>
+          </a:p>
+          <a:p>
+            <a:pPr marL="0" indent="0">
+              <a:buNone/>
+            </a:pPr>
+            <a:endParaRPr lang="en-US" dirty="0"/>
+          </a:p>
+          <a:p>
+            <a:pPr marL="0" indent="0">
+              <a:buNone/>
+            </a:pPr>
+            <a:r>
+              <a:rPr lang="en-US" dirty="0"/>
+              <a:t>def </a:t>
+            </a:r>
+            <a:r>
+              <a:rPr lang="en-US" dirty="0">
+                <a:solidFill>
+                  <a:srgbClr val="00B050"/>
+                </a:solidFill>
+              </a:rPr>
+              <a:t>test_</a:t>
+            </a:r>
+            <a:r>
+              <a:rPr lang="en-US" dirty="0"/>
+              <a:t>case_1():</a:t>
+            </a:r>
+          </a:p>
+          <a:p>
+            <a:pPr marL="0" indent="0">
+              <a:buNone/>
+            </a:pPr>
+            <a:r>
+              <a:rPr lang="en-US" dirty="0"/>
+              <a:t>    assert </a:t>
+            </a:r>
+            <a:r>
+              <a:rPr lang="en-US" dirty="0" err="1"/>
+              <a:t>inc</a:t>
+            </a:r>
+            <a:r>
+              <a:rPr lang="en-US" dirty="0"/>
+              <a:t>(3) == 5</a:t>
+            </a:r>
+          </a:p>
+        </p:txBody>
+      </p:sp>
+      <p:sp>
+        <p:nvSpPr>
+          <p:cNvPr id="5" name="TextBox 4">
+            <a:extLst>
+              <a:ext uri="{FF2B5EF4-FFF2-40B4-BE49-F238E27FC236}">
+                <a16:creationId xmlns:a16="http://schemas.microsoft.com/office/drawing/2014/main" id="{1CD7AE17-B400-4BF2-9A82-470DB7737B60}"/>
+              </a:ext>
+            </a:extLst>
+          </p:cNvPr>
+          <p:cNvSpPr txBox="1"/>
+          <p:nvPr/>
+        </p:nvSpPr>
+        <p:spPr>
+          <a:xfrm>
+            <a:off x="5513294" y="4834571"/>
+            <a:ext cx="2480983" cy="1477328"/>
+          </a:xfrm>
+          <a:prstGeom prst="rect">
+            <a:avLst/>
+          </a:prstGeom>
+          <a:solidFill>
+            <a:srgbClr val="FFFF00"/>
+          </a:solidFill>
+          <a:ln w="76200">
+            <a:solidFill>
+              <a:schemeClr val="tx1">
+                <a:lumMod val="95000"/>
+                <a:lumOff val="5000"/>
+              </a:schemeClr>
+            </a:solidFill>
+          </a:ln>
+        </p:spPr>
+        <p:txBody>
+          <a:bodyPr wrap="square" rtlCol="0">
+            <a:spAutoFit/>
+          </a:bodyPr>
+          <a:lstStyle/>
+          <a:p>
+            <a:r>
+              <a:rPr lang="en-US" dirty="0"/>
+              <a:t>Exercise:</a:t>
+            </a:r>
+          </a:p>
+          <a:p>
+            <a:pPr marL="342900" indent="-342900">
+              <a:buAutoNum type="arabicPeriod"/>
+            </a:pPr>
+            <a:r>
+              <a:rPr lang="en-US" dirty="0"/>
+              <a:t>Go to ex1 folder</a:t>
+            </a:r>
+          </a:p>
+          <a:p>
+            <a:pPr marL="342900" indent="-342900">
+              <a:buAutoNum type="arabicPeriod"/>
+            </a:pPr>
             <a:r>
               <a:rPr lang="en-US" dirty="0" err="1"/>
               <a:t>pytest</a:t>
             </a:r>
-            <a:r>
-              <a:rPr lang="en-US" dirty="0"/>
-              <a:t> and </a:t>
-            </a:r>
+            <a:endParaRPr lang="en-US" dirty="0"/>
+          </a:p>
+          <a:p>
+            <a:pPr marL="342900" indent="-342900">
+              <a:buAutoNum type="arabicPeriod"/>
+            </a:pPr>
             <a:r>
               <a:rPr lang="en-US" dirty="0" err="1"/>
               <a:t>pytest</a:t>
             </a:r>
             <a:r>
               <a:rPr lang="en-US" dirty="0"/>
-              <a:t> –v discover your test cases</a:t>
-            </a:r>
+              <a:t> -v</a:t>
+            </a:r>
+          </a:p>
+          <a:p>
+            <a:endParaRPr lang="en-US" dirty="0"/>
           </a:p>
         </p:txBody>
       </p:sp>
     </p:spTree>
     <p:extLst>
       <p:ext uri="{BB962C8B-B14F-4D97-AF65-F5344CB8AC3E}">
-        <p14:creationId xmlns:p14="http://schemas.microsoft.com/office/powerpoint/2010/main" val="3211487400"/>
+        <p14:creationId xmlns:p14="http://schemas.microsoft.com/office/powerpoint/2010/main" val="2076752010"/>
       </p:ext>
     </p:extLst>
   </p:cSld>
@@ -3722,7 +4195,7 @@
           <p:cNvPr id="2" name="Title 1">
             <a:extLst>
               <a:ext uri="{FF2B5EF4-FFF2-40B4-BE49-F238E27FC236}">
-                <a16:creationId xmlns:a16="http://schemas.microsoft.com/office/drawing/2014/main" id="{62B545D0-17AD-42C3-9AB6-9DDBC07E32FD}"/>
+                <a16:creationId xmlns:a16="http://schemas.microsoft.com/office/drawing/2014/main" id="{D55D98D0-B1AA-472C-833D-13572E4359B2}"/>
               </a:ext>
             </a:extLst>
           </p:cNvPr>
@@ -3740,7 +4213,7 @@
           <a:p>
             <a:r>
               <a:rPr lang="en-US" dirty="0"/>
-              <a:t>Expect exceptions</a:t>
+              <a:t>How are tests discovered? (1/2)</a:t>
             </a:r>
           </a:p>
         </p:txBody>
@@ -3750,7 +4223,7 @@
           <p:cNvPr id="3" name="Content Placeholder 2">
             <a:extLst>
               <a:ext uri="{FF2B5EF4-FFF2-40B4-BE49-F238E27FC236}">
-                <a16:creationId xmlns:a16="http://schemas.microsoft.com/office/drawing/2014/main" id="{82906563-8A01-41BD-80F5-84D8CE37EC1C}"/>
+                <a16:creationId xmlns:a16="http://schemas.microsoft.com/office/drawing/2014/main" id="{8E89F970-E449-42C4-AAF5-F12B713543D5}"/>
               </a:ext>
             </a:extLst>
           </p:cNvPr>
@@ -3763,84 +4236,79 @@
         </p:nvSpPr>
         <p:spPr/>
         <p:txBody>
-          <a:bodyPr/>
-          <a:lstStyle/>
-          <a:p>
-            <a:r>
-              <a:rPr lang="en-US" dirty="0"/>
-              <a:t>To assert that a code block/function call raises </a:t>
+          <a:bodyPr>
+            <a:normAutofit/>
+          </a:bodyPr>
+          <a:lstStyle/>
+          <a:p>
+            <a:r>
+              <a:rPr lang="en-US" dirty="0"/>
+              <a:t>If you type and run </a:t>
             </a:r>
             <a:r>
               <a:rPr lang="en-US" dirty="0" err="1"/>
-              <a:t>expected_exception</a:t>
-            </a:r>
-            <a:r>
-              <a:rPr lang="en-US" dirty="0"/>
-              <a:t> or raise a failure exception otherwise.</a:t>
-            </a:r>
-          </a:p>
-          <a:p>
-            <a:r>
-              <a:rPr lang="en-US" dirty="0">
-                <a:highlight>
-                  <a:srgbClr val="FFFF00"/>
-                </a:highlight>
-              </a:rPr>
-              <a:t>Exercise</a:t>
-            </a:r>
-            <a:r>
-              <a:rPr lang="en-US" dirty="0"/>
-              <a:t>:</a:t>
+              <a:t>pytest</a:t>
+            </a:r>
+            <a:r>
+              <a:rPr lang="en-US" dirty="0"/>
+              <a:t> without arguments:</a:t>
             </a:r>
           </a:p>
           <a:p>
             <a:pPr lvl="1"/>
             <a:r>
               <a:rPr lang="en-US" dirty="0"/>
-              <a:t>Go to ex3 folder</a:t>
+              <a:t>Collection starts from the current directory.</a:t>
             </a:r>
           </a:p>
           <a:p>
             <a:pPr lvl="1"/>
             <a:r>
               <a:rPr lang="en-US" dirty="0"/>
-              <a:t>Add a function that </a:t>
+              <a:t>Recurse into directories</a:t>
+            </a:r>
+          </a:p>
+          <a:p>
+            <a:pPr lvl="1"/>
+            <a:r>
+              <a:rPr lang="en-US" dirty="0"/>
+              <a:t>In those directories, search for </a:t>
             </a:r>
           </a:p>
           <a:p>
             <a:pPr lvl="2"/>
             <a:r>
               <a:rPr lang="en-US" dirty="0"/>
-              <a:t>returns absolute value of a negative input value;</a:t>
+              <a:t>test_*.py</a:t>
             </a:r>
           </a:p>
           <a:p>
             <a:pPr lvl="2"/>
             <a:r>
               <a:rPr lang="en-US" dirty="0"/>
-              <a:t>If input value is positive, raise </a:t>
-            </a:r>
-            <a:r>
-              <a:rPr lang="en-US" dirty="0" err="1"/>
-              <a:t>ValueError</a:t>
-            </a:r>
-            <a:r>
-              <a:rPr lang="en-US" dirty="0"/>
-              <a:t>.</a:t>
-            </a:r>
-          </a:p>
-          <a:p>
-            <a:endParaRPr lang="en-US" dirty="0"/>
-          </a:p>
-          <a:p>
-            <a:endParaRPr lang="en-US" dirty="0"/>
+              <a:t>*_test.py</a:t>
+            </a:r>
+          </a:p>
+          <a:p>
+            <a:pPr lvl="1"/>
+            <a:r>
+              <a:rPr lang="en-US" dirty="0"/>
+              <a:t>From those files, collect test items:</a:t>
+            </a:r>
+          </a:p>
+          <a:p>
+            <a:pPr lvl="2"/>
+            <a:r>
+              <a:rPr lang="en-US" dirty="0"/>
+              <a:t>test prefixed test functions</a:t>
+            </a:r>
           </a:p>
         </p:txBody>
       </p:sp>
     </p:spTree>
     <p:extLst>
       <p:ext uri="{BB962C8B-B14F-4D97-AF65-F5344CB8AC3E}">
-        <p14:creationId xmlns:p14="http://schemas.microsoft.com/office/powerpoint/2010/main" val="2236915715"/>
+        <p14:creationId xmlns:p14="http://schemas.microsoft.com/office/powerpoint/2010/main" val="1763494499"/>
       </p:ext>
     </p:extLst>
   </p:cSld>
@@ -3872,7 +4340,7 @@
           <p:cNvPr id="2" name="Title 1">
             <a:extLst>
               <a:ext uri="{FF2B5EF4-FFF2-40B4-BE49-F238E27FC236}">
-                <a16:creationId xmlns:a16="http://schemas.microsoft.com/office/drawing/2014/main" id="{C19327DD-8322-4598-B041-0EC57CF616E7}"/>
+                <a16:creationId xmlns:a16="http://schemas.microsoft.com/office/drawing/2014/main" id="{F69EEDF2-8B85-4D42-AF69-A58B744157F8}"/>
               </a:ext>
             </a:extLst>
           </p:cNvPr>
@@ -3890,7 +4358,7 @@
           <a:p>
             <a:r>
               <a:rPr lang="en-US" dirty="0"/>
-              <a:t>Run tests by folders</a:t>
+              <a:t>Multiple test cases in multiple files</a:t>
             </a:r>
           </a:p>
         </p:txBody>
@@ -3900,7 +4368,7 @@
           <p:cNvPr id="3" name="Content Placeholder 2">
             <a:extLst>
               <a:ext uri="{FF2B5EF4-FFF2-40B4-BE49-F238E27FC236}">
-                <a16:creationId xmlns:a16="http://schemas.microsoft.com/office/drawing/2014/main" id="{5ABC9F4E-4384-4C1C-AFE7-3F5A8CE20143}"/>
+                <a16:creationId xmlns:a16="http://schemas.microsoft.com/office/drawing/2014/main" id="{7326BCA0-6BE2-4135-B389-3558BDB5BB58}"/>
               </a:ext>
             </a:extLst>
           </p:cNvPr>
@@ -3933,55 +4401,51 @@
             <a:pPr lvl="1"/>
             <a:r>
               <a:rPr lang="en-US" dirty="0"/>
-              <a:t>Go to tests folder</a:t>
+              <a:t>Go to ex2 folder</a:t>
             </a:r>
           </a:p>
           <a:p>
             <a:pPr lvl="1"/>
             <a:r>
               <a:rPr lang="en-US" dirty="0"/>
-              <a:t>Run the following:</a:t>
-            </a:r>
-          </a:p>
-          <a:p>
-            <a:pPr lvl="2"/>
+              <a:t>App code to be tested resides in my_app.py</a:t>
+            </a:r>
+          </a:p>
+          <a:p>
+            <a:pPr lvl="1"/>
+            <a:r>
+              <a:rPr lang="en-US" dirty="0"/>
+              <a:t>Check out the 2 test sample files.</a:t>
+            </a:r>
+          </a:p>
+          <a:p>
+            <a:pPr lvl="1"/>
+            <a:r>
+              <a:rPr lang="en-US" dirty="0"/>
+              <a:t>Add one more test file with your test cases.</a:t>
+            </a:r>
+          </a:p>
+          <a:p>
+            <a:pPr lvl="1"/>
+            <a:r>
+              <a:rPr lang="en-US" dirty="0"/>
+              <a:t>See how </a:t>
+            </a:r>
             <a:r>
               <a:rPr lang="en-US" dirty="0" err="1"/>
               <a:t>pytest</a:t>
             </a:r>
-            <a:endParaRPr lang="en-US" dirty="0"/>
-          </a:p>
-          <a:p>
-            <a:pPr lvl="2"/>
+            <a:r>
+              <a:rPr lang="en-US" dirty="0"/>
+              <a:t> and </a:t>
+            </a:r>
             <a:r>
               <a:rPr lang="en-US" dirty="0" err="1"/>
               <a:t>pytest</a:t>
             </a:r>
             <a:r>
               <a:rPr lang="en-US" dirty="0"/>
-              <a:t> ex1</a:t>
-            </a:r>
-          </a:p>
-          <a:p>
-            <a:pPr lvl="2"/>
-            <a:r>
-              <a:rPr lang="en-US" dirty="0" err="1"/>
-              <a:t>pytest</a:t>
-            </a:r>
-            <a:r>
-              <a:rPr lang="en-US" dirty="0"/>
-              <a:t> ex2</a:t>
-            </a:r>
-          </a:p>
-          <a:p>
-            <a:pPr lvl="2"/>
-            <a:r>
-              <a:rPr lang="en-US" dirty="0" err="1"/>
-              <a:t>pytest</a:t>
-            </a:r>
-            <a:r>
-              <a:rPr lang="en-US" dirty="0"/>
-              <a:t> ex2 ex3</a:t>
+              <a:t> –v discover your test cases</a:t>
             </a:r>
           </a:p>
         </p:txBody>
@@ -3989,7 +4453,343 @@
     </p:spTree>
     <p:extLst>
       <p:ext uri="{BB962C8B-B14F-4D97-AF65-F5344CB8AC3E}">
-        <p14:creationId xmlns:p14="http://schemas.microsoft.com/office/powerpoint/2010/main" val="2029342427"/>
+        <p14:creationId xmlns:p14="http://schemas.microsoft.com/office/powerpoint/2010/main" val="3211487400"/>
+      </p:ext>
+    </p:extLst>
+  </p:cSld>
+  <p:clrMapOvr>
+    <a:masterClrMapping/>
+  </p:clrMapOvr>
+</p:sld>
+</file>
+
+<file path=ppt/slides/slide8.xml><?xml version="1.0" encoding="utf-8"?>
+<p:sld xmlns:a="http://schemas.openxmlformats.org/drawingml/2006/main" xmlns:r="http://schemas.openxmlformats.org/officeDocument/2006/relationships" xmlns:p="http://schemas.openxmlformats.org/presentationml/2006/main">
+  <p:cSld>
+    <p:spTree>
+      <p:nvGrpSpPr>
+        <p:cNvPr id="1" name=""/>
+        <p:cNvGrpSpPr/>
+        <p:nvPr/>
+      </p:nvGrpSpPr>
+      <p:grpSpPr>
+        <a:xfrm>
+          <a:off x="0" y="0"/>
+          <a:ext cx="0" cy="0"/>
+          <a:chOff x="0" y="0"/>
+          <a:chExt cx="0" cy="0"/>
+        </a:xfrm>
+      </p:grpSpPr>
+      <p:sp>
+        <p:nvSpPr>
+          <p:cNvPr id="2" name="Title 1">
+            <a:extLst>
+              <a:ext uri="{FF2B5EF4-FFF2-40B4-BE49-F238E27FC236}">
+                <a16:creationId xmlns:a16="http://schemas.microsoft.com/office/drawing/2014/main" id="{62B545D0-17AD-42C3-9AB6-9DDBC07E32FD}"/>
+              </a:ext>
+            </a:extLst>
+          </p:cNvPr>
+          <p:cNvSpPr>
+            <a:spLocks noGrp="1"/>
+          </p:cNvSpPr>
+          <p:nvPr>
+            <p:ph type="title"/>
+          </p:nvPr>
+        </p:nvSpPr>
+        <p:spPr/>
+        <p:txBody>
+          <a:bodyPr/>
+          <a:lstStyle/>
+          <a:p>
+            <a:r>
+              <a:rPr lang="en-US" dirty="0"/>
+              <a:t>Expect exceptions</a:t>
+            </a:r>
+          </a:p>
+        </p:txBody>
+      </p:sp>
+      <p:sp>
+        <p:nvSpPr>
+          <p:cNvPr id="3" name="Content Placeholder 2">
+            <a:extLst>
+              <a:ext uri="{FF2B5EF4-FFF2-40B4-BE49-F238E27FC236}">
+                <a16:creationId xmlns:a16="http://schemas.microsoft.com/office/drawing/2014/main" id="{82906563-8A01-41BD-80F5-84D8CE37EC1C}"/>
+              </a:ext>
+            </a:extLst>
+          </p:cNvPr>
+          <p:cNvSpPr>
+            <a:spLocks noGrp="1"/>
+          </p:cNvSpPr>
+          <p:nvPr>
+            <p:ph idx="1"/>
+          </p:nvPr>
+        </p:nvSpPr>
+        <p:spPr/>
+        <p:txBody>
+          <a:bodyPr/>
+          <a:lstStyle/>
+          <a:p>
+            <a:r>
+              <a:rPr lang="en-US" dirty="0"/>
+              <a:t>To assert that a code block/function call raises </a:t>
+            </a:r>
+            <a:r>
+              <a:rPr lang="en-US" dirty="0" err="1"/>
+              <a:t>expected_exception</a:t>
+            </a:r>
+            <a:r>
+              <a:rPr lang="en-US" dirty="0"/>
+              <a:t> or raise a failure exception otherwise.</a:t>
+            </a:r>
+          </a:p>
+          <a:p>
+            <a:r>
+              <a:rPr lang="en-US" dirty="0">
+                <a:highlight>
+                  <a:srgbClr val="FFFF00"/>
+                </a:highlight>
+              </a:rPr>
+              <a:t>Exercise</a:t>
+            </a:r>
+            <a:r>
+              <a:rPr lang="en-US" dirty="0"/>
+              <a:t>:</a:t>
+            </a:r>
+          </a:p>
+          <a:p>
+            <a:pPr lvl="1"/>
+            <a:r>
+              <a:rPr lang="en-US" dirty="0"/>
+              <a:t>Go to ex3 folder</a:t>
+            </a:r>
+          </a:p>
+          <a:p>
+            <a:pPr lvl="1"/>
+            <a:r>
+              <a:rPr lang="en-US" dirty="0"/>
+              <a:t>Add a function that </a:t>
+            </a:r>
+          </a:p>
+          <a:p>
+            <a:pPr lvl="2"/>
+            <a:r>
+              <a:rPr lang="en-US" dirty="0"/>
+              <a:t>returns absolute value of a negative input value;</a:t>
+            </a:r>
+          </a:p>
+          <a:p>
+            <a:pPr lvl="2"/>
+            <a:r>
+              <a:rPr lang="en-US" dirty="0"/>
+              <a:t>If input value is positive, raise </a:t>
+            </a:r>
+            <a:r>
+              <a:rPr lang="en-US" dirty="0" err="1"/>
+              <a:t>ValueError</a:t>
+            </a:r>
+            <a:r>
+              <a:rPr lang="en-US" dirty="0"/>
+              <a:t>.</a:t>
+            </a:r>
+          </a:p>
+          <a:p>
+            <a:endParaRPr lang="en-US" dirty="0"/>
+          </a:p>
+          <a:p>
+            <a:endParaRPr lang="en-US" dirty="0"/>
+          </a:p>
+        </p:txBody>
+      </p:sp>
+    </p:spTree>
+    <p:extLst>
+      <p:ext uri="{BB962C8B-B14F-4D97-AF65-F5344CB8AC3E}">
+        <p14:creationId xmlns:p14="http://schemas.microsoft.com/office/powerpoint/2010/main" val="2236915715"/>
+      </p:ext>
+    </p:extLst>
+  </p:cSld>
+  <p:clrMapOvr>
+    <a:masterClrMapping/>
+  </p:clrMapOvr>
+</p:sld>
+</file>
+
+<file path=ppt/slides/slide9.xml><?xml version="1.0" encoding="utf-8"?>
+<p:sld xmlns:a="http://schemas.openxmlformats.org/drawingml/2006/main" xmlns:r="http://schemas.openxmlformats.org/officeDocument/2006/relationships" xmlns:p="http://schemas.openxmlformats.org/presentationml/2006/main">
+  <p:cSld>
+    <p:spTree>
+      <p:nvGrpSpPr>
+        <p:cNvPr id="1" name=""/>
+        <p:cNvGrpSpPr/>
+        <p:nvPr/>
+      </p:nvGrpSpPr>
+      <p:grpSpPr>
+        <a:xfrm>
+          <a:off x="0" y="0"/>
+          <a:ext cx="0" cy="0"/>
+          <a:chOff x="0" y="0"/>
+          <a:chExt cx="0" cy="0"/>
+        </a:xfrm>
+      </p:grpSpPr>
+      <p:sp>
+        <p:nvSpPr>
+          <p:cNvPr id="2" name="Title 1">
+            <a:extLst>
+              <a:ext uri="{FF2B5EF4-FFF2-40B4-BE49-F238E27FC236}">
+                <a16:creationId xmlns:a16="http://schemas.microsoft.com/office/drawing/2014/main" id="{D55D98D0-B1AA-472C-833D-13572E4359B2}"/>
+              </a:ext>
+            </a:extLst>
+          </p:cNvPr>
+          <p:cNvSpPr>
+            <a:spLocks noGrp="1"/>
+          </p:cNvSpPr>
+          <p:nvPr>
+            <p:ph type="title"/>
+          </p:nvPr>
+        </p:nvSpPr>
+        <p:spPr/>
+        <p:txBody>
+          <a:bodyPr/>
+          <a:lstStyle/>
+          <a:p>
+            <a:r>
+              <a:rPr lang="en-US" dirty="0"/>
+              <a:t>Run specific tests</a:t>
+            </a:r>
+          </a:p>
+        </p:txBody>
+      </p:sp>
+      <p:sp>
+        <p:nvSpPr>
+          <p:cNvPr id="3" name="Content Placeholder 2">
+            <a:extLst>
+              <a:ext uri="{FF2B5EF4-FFF2-40B4-BE49-F238E27FC236}">
+                <a16:creationId xmlns:a16="http://schemas.microsoft.com/office/drawing/2014/main" id="{8E89F970-E449-42C4-AAF5-F12B713543D5}"/>
+              </a:ext>
+            </a:extLst>
+          </p:cNvPr>
+          <p:cNvSpPr>
+            <a:spLocks noGrp="1"/>
+          </p:cNvSpPr>
+          <p:nvPr>
+            <p:ph idx="1"/>
+          </p:nvPr>
+        </p:nvSpPr>
+        <p:spPr/>
+        <p:txBody>
+          <a:bodyPr>
+            <a:normAutofit/>
+          </a:bodyPr>
+          <a:lstStyle/>
+          <a:p>
+            <a:r>
+              <a:rPr lang="en-US" dirty="0" err="1"/>
+              <a:t>pytest</a:t>
+            </a:r>
+            <a:r>
+              <a:rPr lang="en-US" dirty="0"/>
+              <a:t> test_sample_2.py</a:t>
+            </a:r>
+          </a:p>
+          <a:p>
+            <a:r>
+              <a:rPr lang="en-US" dirty="0" err="1"/>
+              <a:t>pytest</a:t>
+            </a:r>
+            <a:r>
+              <a:rPr lang="en-US" dirty="0"/>
+              <a:t> test_sample_2.py::test_case_2</a:t>
+            </a:r>
+          </a:p>
+          <a:p>
+            <a:r>
+              <a:rPr lang="en-US" dirty="0" err="1"/>
+              <a:t>pytest</a:t>
+            </a:r>
+            <a:r>
+              <a:rPr lang="en-US" dirty="0"/>
+              <a:t> test_sample_2.py -k </a:t>
+            </a:r>
+            <a:r>
+              <a:rPr lang="en-US" dirty="0" err="1"/>
+              <a:t>important_case</a:t>
+            </a:r>
+            <a:endParaRPr lang="en-US" dirty="0"/>
+          </a:p>
+          <a:p>
+            <a:endParaRPr lang="en-US" dirty="0"/>
+          </a:p>
+        </p:txBody>
+      </p:sp>
+      <p:sp>
+        <p:nvSpPr>
+          <p:cNvPr id="4" name="TextBox 3">
+            <a:extLst>
+              <a:ext uri="{FF2B5EF4-FFF2-40B4-BE49-F238E27FC236}">
+                <a16:creationId xmlns:a16="http://schemas.microsoft.com/office/drawing/2014/main" id="{24FD3705-7556-42EF-AEB3-8EBA8506FAF2}"/>
+              </a:ext>
+            </a:extLst>
+          </p:cNvPr>
+          <p:cNvSpPr txBox="1"/>
+          <p:nvPr/>
+        </p:nvSpPr>
+        <p:spPr>
+          <a:xfrm>
+            <a:off x="961465" y="4101706"/>
+            <a:ext cx="2480983" cy="1200329"/>
+          </a:xfrm>
+          <a:prstGeom prst="rect">
+            <a:avLst/>
+          </a:prstGeom>
+          <a:solidFill>
+            <a:srgbClr val="FFFF00"/>
+          </a:solidFill>
+          <a:ln w="76200">
+            <a:solidFill>
+              <a:schemeClr val="tx1">
+                <a:lumMod val="95000"/>
+                <a:lumOff val="5000"/>
+              </a:schemeClr>
+            </a:solidFill>
+          </a:ln>
+        </p:spPr>
+        <p:txBody>
+          <a:bodyPr wrap="square" rtlCol="0">
+            <a:spAutoFit/>
+          </a:bodyPr>
+          <a:lstStyle/>
+          <a:p>
+            <a:r>
+              <a:rPr lang="en-US" dirty="0"/>
+              <a:t>Exercise:</a:t>
+            </a:r>
+          </a:p>
+          <a:p>
+            <a:pPr marL="342900" indent="-342900">
+              <a:buAutoNum type="arabicPeriod"/>
+            </a:pPr>
+            <a:r>
+              <a:rPr lang="en-US" dirty="0"/>
+              <a:t>Go to ex2 folder</a:t>
+            </a:r>
+          </a:p>
+          <a:p>
+            <a:pPr marL="342900" indent="-342900">
+              <a:buAutoNum type="arabicPeriod"/>
+            </a:pPr>
+            <a:r>
+              <a:rPr lang="en-US" dirty="0"/>
+              <a:t>Try the above 3</a:t>
+            </a:r>
+          </a:p>
+          <a:p>
+            <a:endParaRPr lang="en-US" dirty="0"/>
+          </a:p>
+        </p:txBody>
+      </p:sp>
+    </p:spTree>
+    <p:extLst>
+      <p:ext uri="{BB962C8B-B14F-4D97-AF65-F5344CB8AC3E}">
+        <p14:creationId xmlns:p14="http://schemas.microsoft.com/office/powerpoint/2010/main" val="3375256878"/>
       </p:ext>
     </p:extLst>
   </p:cSld>

--- a/slides/Unit Test with Pytest.pptx
+++ b/slides/Unit Test with Pytest.pptx
@@ -17,6 +17,8 @@
     <p:sldId id="262" r:id="rId11"/>
     <p:sldId id="266" r:id="rId12"/>
     <p:sldId id="267" r:id="rId13"/>
+    <p:sldId id="268" r:id="rId14"/>
+    <p:sldId id="269" r:id="rId15"/>
   </p:sldIdLst>
   <p:sldSz cx="9144000" cy="6858000" type="screen4x3"/>
   <p:notesSz cx="6858000" cy="9144000"/>
@@ -254,7 +256,7 @@
           <a:p>
             <a:fld id="{F87D3CAB-52F0-40DD-AFCE-902B253D0A32}" type="datetimeFigureOut">
               <a:rPr lang="en-US" smtClean="0"/>
-              <a:t>6/23/2019</a:t>
+              <a:t>6/26/2019</a:t>
             </a:fld>
             <a:endParaRPr lang="en-US"/>
           </a:p>
@@ -424,7 +426,7 @@
           <a:p>
             <a:fld id="{F87D3CAB-52F0-40DD-AFCE-902B253D0A32}" type="datetimeFigureOut">
               <a:rPr lang="en-US" smtClean="0"/>
-              <a:t>6/23/2019</a:t>
+              <a:t>6/26/2019</a:t>
             </a:fld>
             <a:endParaRPr lang="en-US"/>
           </a:p>
@@ -604,7 +606,7 @@
           <a:p>
             <a:fld id="{F87D3CAB-52F0-40DD-AFCE-902B253D0A32}" type="datetimeFigureOut">
               <a:rPr lang="en-US" smtClean="0"/>
-              <a:t>6/23/2019</a:t>
+              <a:t>6/26/2019</a:t>
             </a:fld>
             <a:endParaRPr lang="en-US"/>
           </a:p>
@@ -774,7 +776,7 @@
           <a:p>
             <a:fld id="{F87D3CAB-52F0-40DD-AFCE-902B253D0A32}" type="datetimeFigureOut">
               <a:rPr lang="en-US" smtClean="0"/>
-              <a:t>6/23/2019</a:t>
+              <a:t>6/26/2019</a:t>
             </a:fld>
             <a:endParaRPr lang="en-US"/>
           </a:p>
@@ -1018,7 +1020,7 @@
           <a:p>
             <a:fld id="{F87D3CAB-52F0-40DD-AFCE-902B253D0A32}" type="datetimeFigureOut">
               <a:rPr lang="en-US" smtClean="0"/>
-              <a:t>6/23/2019</a:t>
+              <a:t>6/26/2019</a:t>
             </a:fld>
             <a:endParaRPr lang="en-US"/>
           </a:p>
@@ -1250,7 +1252,7 @@
           <a:p>
             <a:fld id="{F87D3CAB-52F0-40DD-AFCE-902B253D0A32}" type="datetimeFigureOut">
               <a:rPr lang="en-US" smtClean="0"/>
-              <a:t>6/23/2019</a:t>
+              <a:t>6/26/2019</a:t>
             </a:fld>
             <a:endParaRPr lang="en-US"/>
           </a:p>
@@ -1617,7 +1619,7 @@
           <a:p>
             <a:fld id="{F87D3CAB-52F0-40DD-AFCE-902B253D0A32}" type="datetimeFigureOut">
               <a:rPr lang="en-US" smtClean="0"/>
-              <a:t>6/23/2019</a:t>
+              <a:t>6/26/2019</a:t>
             </a:fld>
             <a:endParaRPr lang="en-US"/>
           </a:p>
@@ -1735,7 +1737,7 @@
           <a:p>
             <a:fld id="{F87D3CAB-52F0-40DD-AFCE-902B253D0A32}" type="datetimeFigureOut">
               <a:rPr lang="en-US" smtClean="0"/>
-              <a:t>6/23/2019</a:t>
+              <a:t>6/26/2019</a:t>
             </a:fld>
             <a:endParaRPr lang="en-US"/>
           </a:p>
@@ -1830,7 +1832,7 @@
           <a:p>
             <a:fld id="{F87D3CAB-52F0-40DD-AFCE-902B253D0A32}" type="datetimeFigureOut">
               <a:rPr lang="en-US" smtClean="0"/>
-              <a:t>6/23/2019</a:t>
+              <a:t>6/26/2019</a:t>
             </a:fld>
             <a:endParaRPr lang="en-US"/>
           </a:p>
@@ -2107,7 +2109,7 @@
           <a:p>
             <a:fld id="{F87D3CAB-52F0-40DD-AFCE-902B253D0A32}" type="datetimeFigureOut">
               <a:rPr lang="en-US" smtClean="0"/>
-              <a:t>6/23/2019</a:t>
+              <a:t>6/26/2019</a:t>
             </a:fld>
             <a:endParaRPr lang="en-US"/>
           </a:p>
@@ -2364,7 +2366,7 @@
           <a:p>
             <a:fld id="{F87D3CAB-52F0-40DD-AFCE-902B253D0A32}" type="datetimeFigureOut">
               <a:rPr lang="en-US" smtClean="0"/>
-              <a:t>6/23/2019</a:t>
+              <a:t>6/26/2019</a:t>
             </a:fld>
             <a:endParaRPr lang="en-US"/>
           </a:p>
@@ -2577,7 +2579,7 @@
           <a:p>
             <a:fld id="{F87D3CAB-52F0-40DD-AFCE-902B253D0A32}" type="datetimeFigureOut">
               <a:rPr lang="en-US" smtClean="0"/>
-              <a:t>6/23/2019</a:t>
+              <a:t>6/26/2019</a:t>
             </a:fld>
             <a:endParaRPr lang="en-US"/>
           </a:p>
@@ -3582,6 +3584,370 @@
 </p:sld>
 </file>
 
+<file path=ppt/slides/slide13.xml><?xml version="1.0" encoding="utf-8"?>
+<p:sld xmlns:a="http://schemas.openxmlformats.org/drawingml/2006/main" xmlns:r="http://schemas.openxmlformats.org/officeDocument/2006/relationships" xmlns:p="http://schemas.openxmlformats.org/presentationml/2006/main">
+  <p:cSld>
+    <p:spTree>
+      <p:nvGrpSpPr>
+        <p:cNvPr id="1" name=""/>
+        <p:cNvGrpSpPr/>
+        <p:nvPr/>
+      </p:nvGrpSpPr>
+      <p:grpSpPr>
+        <a:xfrm>
+          <a:off x="0" y="0"/>
+          <a:ext cx="0" cy="0"/>
+          <a:chOff x="0" y="0"/>
+          <a:chExt cx="0" cy="0"/>
+        </a:xfrm>
+      </p:grpSpPr>
+      <p:sp>
+        <p:nvSpPr>
+          <p:cNvPr id="2" name="Title 1">
+            <a:extLst>
+              <a:ext uri="{FF2B5EF4-FFF2-40B4-BE49-F238E27FC236}">
+                <a16:creationId xmlns:a16="http://schemas.microsoft.com/office/drawing/2014/main" id="{DECCCC53-518B-47D8-86DD-BA43D48BED34}"/>
+              </a:ext>
+            </a:extLst>
+          </p:cNvPr>
+          <p:cNvSpPr>
+            <a:spLocks noGrp="1"/>
+          </p:cNvSpPr>
+          <p:nvPr>
+            <p:ph type="title"/>
+          </p:nvPr>
+        </p:nvSpPr>
+        <p:spPr/>
+        <p:txBody>
+          <a:bodyPr/>
+          <a:lstStyle/>
+          <a:p>
+            <a:r>
+              <a:rPr lang="en-US" dirty="0"/>
+              <a:t>Testing with Numpy (1/2)</a:t>
+            </a:r>
+          </a:p>
+        </p:txBody>
+      </p:sp>
+      <p:sp>
+        <p:nvSpPr>
+          <p:cNvPr id="3" name="Content Placeholder 2">
+            <a:extLst>
+              <a:ext uri="{FF2B5EF4-FFF2-40B4-BE49-F238E27FC236}">
+                <a16:creationId xmlns:a16="http://schemas.microsoft.com/office/drawing/2014/main" id="{0B7FA746-C00D-4711-B013-E251FF7D056C}"/>
+              </a:ext>
+            </a:extLst>
+          </p:cNvPr>
+          <p:cNvSpPr>
+            <a:spLocks noGrp="1"/>
+          </p:cNvSpPr>
+          <p:nvPr>
+            <p:ph idx="1"/>
+          </p:nvPr>
+        </p:nvSpPr>
+        <p:spPr/>
+        <p:txBody>
+          <a:bodyPr/>
+          <a:lstStyle/>
+          <a:p>
+            <a:r>
+              <a:rPr lang="en-US" dirty="0"/>
+              <a:t>Normal assert statement is not useful for numpy.</a:t>
+            </a:r>
+          </a:p>
+        </p:txBody>
+      </p:sp>
+      <p:pic>
+        <p:nvPicPr>
+          <p:cNvPr id="4" name="Picture 3">
+            <a:extLst>
+              <a:ext uri="{FF2B5EF4-FFF2-40B4-BE49-F238E27FC236}">
+                <a16:creationId xmlns:a16="http://schemas.microsoft.com/office/drawing/2014/main" id="{4EE43990-9626-432D-907A-FB54F0AD7695}"/>
+              </a:ext>
+            </a:extLst>
+          </p:cNvPr>
+          <p:cNvPicPr>
+            <a:picLocks noChangeAspect="1"/>
+          </p:cNvPicPr>
+          <p:nvPr/>
+        </p:nvPicPr>
+        <p:blipFill>
+          <a:blip r:embed="rId2"/>
+          <a:stretch>
+            <a:fillRect/>
+          </a:stretch>
+        </p:blipFill>
+        <p:spPr>
+          <a:xfrm>
+            <a:off x="0" y="2514245"/>
+            <a:ext cx="9144000" cy="3978629"/>
+          </a:xfrm>
+          <a:prstGeom prst="rect">
+            <a:avLst/>
+          </a:prstGeom>
+        </p:spPr>
+      </p:pic>
+      <p:sp>
+        <p:nvSpPr>
+          <p:cNvPr id="6" name="TextBox 5">
+            <a:extLst>
+              <a:ext uri="{FF2B5EF4-FFF2-40B4-BE49-F238E27FC236}">
+                <a16:creationId xmlns:a16="http://schemas.microsoft.com/office/drawing/2014/main" id="{E488A13A-3680-4969-BBFD-2DD5F92230D6}"/>
+              </a:ext>
+            </a:extLst>
+          </p:cNvPr>
+          <p:cNvSpPr txBox="1"/>
+          <p:nvPr/>
+        </p:nvSpPr>
+        <p:spPr>
+          <a:xfrm>
+            <a:off x="4847665" y="6423951"/>
+            <a:ext cx="3942554" cy="369332"/>
+          </a:xfrm>
+          <a:prstGeom prst="rect">
+            <a:avLst/>
+          </a:prstGeom>
+          <a:noFill/>
+        </p:spPr>
+        <p:txBody>
+          <a:bodyPr wrap="none" rtlCol="0">
+            <a:spAutoFit/>
+          </a:bodyPr>
+          <a:lstStyle/>
+          <a:p>
+            <a:r>
+              <a:rPr lang="en-US" dirty="0">
+                <a:solidFill>
+                  <a:srgbClr val="FF0000"/>
+                </a:solidFill>
+              </a:rPr>
+              <a:t>Where does this </a:t>
+            </a:r>
+            <a:r>
+              <a:rPr lang="en-US" dirty="0" err="1">
+                <a:solidFill>
+                  <a:srgbClr val="FF0000"/>
+                </a:solidFill>
+              </a:rPr>
+              <a:t>ValueError</a:t>
+            </a:r>
+            <a:r>
+              <a:rPr lang="en-US" dirty="0">
+                <a:solidFill>
+                  <a:srgbClr val="FF0000"/>
+                </a:solidFill>
+              </a:rPr>
+              <a:t> come from?</a:t>
+            </a:r>
+          </a:p>
+        </p:txBody>
+      </p:sp>
+      <p:cxnSp>
+        <p:nvCxnSpPr>
+          <p:cNvPr id="8" name="Straight Arrow Connector 7">
+            <a:extLst>
+              <a:ext uri="{FF2B5EF4-FFF2-40B4-BE49-F238E27FC236}">
+                <a16:creationId xmlns:a16="http://schemas.microsoft.com/office/drawing/2014/main" id="{20E291C4-9A55-42EE-9D8C-78E1C0EB87B8}"/>
+              </a:ext>
+            </a:extLst>
+          </p:cNvPr>
+          <p:cNvCxnSpPr>
+            <a:cxnSpLocks/>
+            <a:stCxn id="6" idx="1"/>
+          </p:cNvCxnSpPr>
+          <p:nvPr/>
+        </p:nvCxnSpPr>
+        <p:spPr>
+          <a:xfrm flipH="1" flipV="1">
+            <a:off x="3603813" y="6098243"/>
+            <a:ext cx="1243852" cy="510374"/>
+          </a:xfrm>
+          <a:prstGeom prst="straightConnector1">
+            <a:avLst/>
+          </a:prstGeom>
+          <a:ln w="76200">
+            <a:solidFill>
+              <a:srgbClr val="FF0000"/>
+            </a:solidFill>
+            <a:tailEnd type="triangle"/>
+          </a:ln>
+        </p:spPr>
+        <p:style>
+          <a:lnRef idx="1">
+            <a:schemeClr val="accent1"/>
+          </a:lnRef>
+          <a:fillRef idx="0">
+            <a:schemeClr val="accent1"/>
+          </a:fillRef>
+          <a:effectRef idx="0">
+            <a:schemeClr val="accent1"/>
+          </a:effectRef>
+          <a:fontRef idx="minor">
+            <a:schemeClr val="tx1"/>
+          </a:fontRef>
+        </p:style>
+      </p:cxnSp>
+    </p:spTree>
+    <p:extLst>
+      <p:ext uri="{BB962C8B-B14F-4D97-AF65-F5344CB8AC3E}">
+        <p14:creationId xmlns:p14="http://schemas.microsoft.com/office/powerpoint/2010/main" val="1961109872"/>
+      </p:ext>
+    </p:extLst>
+  </p:cSld>
+  <p:clrMapOvr>
+    <a:masterClrMapping/>
+  </p:clrMapOvr>
+</p:sld>
+</file>
+
+<file path=ppt/slides/slide14.xml><?xml version="1.0" encoding="utf-8"?>
+<p:sld xmlns:a="http://schemas.openxmlformats.org/drawingml/2006/main" xmlns:r="http://schemas.openxmlformats.org/officeDocument/2006/relationships" xmlns:p="http://schemas.openxmlformats.org/presentationml/2006/main">
+  <p:cSld>
+    <p:spTree>
+      <p:nvGrpSpPr>
+        <p:cNvPr id="1" name=""/>
+        <p:cNvGrpSpPr/>
+        <p:nvPr/>
+      </p:nvGrpSpPr>
+      <p:grpSpPr>
+        <a:xfrm>
+          <a:off x="0" y="0"/>
+          <a:ext cx="0" cy="0"/>
+          <a:chOff x="0" y="0"/>
+          <a:chExt cx="0" cy="0"/>
+        </a:xfrm>
+      </p:grpSpPr>
+      <p:sp>
+        <p:nvSpPr>
+          <p:cNvPr id="2" name="Title 1">
+            <a:extLst>
+              <a:ext uri="{FF2B5EF4-FFF2-40B4-BE49-F238E27FC236}">
+                <a16:creationId xmlns:a16="http://schemas.microsoft.com/office/drawing/2014/main" id="{D0858B97-8431-4231-B40E-13C2B72A7805}"/>
+              </a:ext>
+            </a:extLst>
+          </p:cNvPr>
+          <p:cNvSpPr>
+            <a:spLocks noGrp="1"/>
+          </p:cNvSpPr>
+          <p:nvPr>
+            <p:ph type="title"/>
+          </p:nvPr>
+        </p:nvSpPr>
+        <p:spPr/>
+        <p:txBody>
+          <a:bodyPr/>
+          <a:lstStyle/>
+          <a:p>
+            <a:r>
+              <a:rPr lang="en-US" dirty="0"/>
+              <a:t>Testing with Numpy (2/2)</a:t>
+            </a:r>
+          </a:p>
+        </p:txBody>
+      </p:sp>
+      <p:sp>
+        <p:nvSpPr>
+          <p:cNvPr id="3" name="Content Placeholder 2">
+            <a:extLst>
+              <a:ext uri="{FF2B5EF4-FFF2-40B4-BE49-F238E27FC236}">
+                <a16:creationId xmlns:a16="http://schemas.microsoft.com/office/drawing/2014/main" id="{55C96D36-32B7-468B-B224-34890A1B0B80}"/>
+              </a:ext>
+            </a:extLst>
+          </p:cNvPr>
+          <p:cNvSpPr>
+            <a:spLocks noGrp="1"/>
+          </p:cNvSpPr>
+          <p:nvPr>
+            <p:ph idx="1"/>
+          </p:nvPr>
+        </p:nvSpPr>
+        <p:spPr/>
+        <p:txBody>
+          <a:bodyPr/>
+          <a:lstStyle/>
+          <a:p>
+            <a:r>
+              <a:rPr lang="en-US" dirty="0"/>
+              <a:t>NumPy has an entire module devoted to testing support. Some functions from the module are useful, as they provide consistent behavior and compatible with </a:t>
+            </a:r>
+            <a:r>
+              <a:rPr lang="en-US" dirty="0" err="1"/>
+              <a:t>pytest</a:t>
+            </a:r>
+            <a:r>
+              <a:rPr lang="en-US" dirty="0"/>
+              <a:t>. For example:</a:t>
+            </a:r>
+          </a:p>
+          <a:p>
+            <a:pPr lvl="1"/>
+            <a:r>
+              <a:rPr lang="en-US" dirty="0" err="1"/>
+              <a:t>assert_array_equal</a:t>
+            </a:r>
+            <a:endParaRPr lang="en-US" dirty="0"/>
+          </a:p>
+          <a:p>
+            <a:pPr lvl="1"/>
+            <a:r>
+              <a:rPr lang="en-US" dirty="0" err="1"/>
+              <a:t>assert_allclose</a:t>
+            </a:r>
+            <a:r>
+              <a:rPr lang="en-US" dirty="0"/>
+              <a:t>.</a:t>
+            </a:r>
+          </a:p>
+          <a:p>
+            <a:r>
+              <a:rPr lang="en-US" dirty="0"/>
+              <a:t>Exercise:</a:t>
+            </a:r>
+          </a:p>
+          <a:p>
+            <a:pPr lvl="1"/>
+            <a:r>
+              <a:rPr lang="en-US" dirty="0"/>
+              <a:t>Go to ex6 folder</a:t>
+            </a:r>
+          </a:p>
+          <a:p>
+            <a:pPr lvl="1"/>
+            <a:r>
+              <a:rPr lang="en-US" dirty="0" err="1"/>
+              <a:t>pytest</a:t>
+            </a:r>
+            <a:r>
+              <a:rPr lang="en-US" dirty="0"/>
+              <a:t> –v test_file_1.py</a:t>
+            </a:r>
+          </a:p>
+          <a:p>
+            <a:pPr lvl="1"/>
+            <a:r>
+              <a:rPr lang="en-US" dirty="0" err="1"/>
+              <a:t>pytest</a:t>
+            </a:r>
+            <a:r>
+              <a:rPr lang="en-US" dirty="0"/>
+              <a:t> –v test_file_2.py</a:t>
+            </a:r>
+          </a:p>
+        </p:txBody>
+      </p:sp>
+    </p:spTree>
+    <p:extLst>
+      <p:ext uri="{BB962C8B-B14F-4D97-AF65-F5344CB8AC3E}">
+        <p14:creationId xmlns:p14="http://schemas.microsoft.com/office/powerpoint/2010/main" val="1149352393"/>
+      </p:ext>
+    </p:extLst>
+  </p:cSld>
+  <p:clrMapOvr>
+    <a:masterClrMapping/>
+  </p:clrMapOvr>
+</p:sld>
+</file>
+
 <file path=ppt/slides/slide2.xml><?xml version="1.0" encoding="utf-8"?>
 <p:sld xmlns:a="http://schemas.openxmlformats.org/drawingml/2006/main" xmlns:r="http://schemas.openxmlformats.org/officeDocument/2006/relationships" xmlns:p="http://schemas.openxmlformats.org/presentationml/2006/main">
   <p:cSld>

--- a/slides/Unit Test with Pytest.pptx
+++ b/slides/Unit Test with Pytest.pptx
@@ -19,6 +19,7 @@
     <p:sldId id="267" r:id="rId13"/>
     <p:sldId id="268" r:id="rId14"/>
     <p:sldId id="269" r:id="rId15"/>
+    <p:sldId id="270" r:id="rId16"/>
   </p:sldIdLst>
   <p:sldSz cx="9144000" cy="6858000" type="screen4x3"/>
   <p:notesSz cx="6858000" cy="9144000"/>
@@ -3652,7 +3653,7 @@
           <a:p>
             <a:r>
               <a:rPr lang="en-US" dirty="0"/>
-              <a:t>Normal assert statement is not useful for numpy.</a:t>
+              <a:t>Simple assert statement is not useful for numpy.</a:t>
             </a:r>
           </a:p>
         </p:txBody>
@@ -3863,7 +3864,9 @@
         </p:nvSpPr>
         <p:spPr/>
         <p:txBody>
-          <a:bodyPr/>
+          <a:bodyPr>
+            <a:normAutofit lnSpcReduction="10000"/>
+          </a:bodyPr>
           <a:lstStyle/>
           <a:p>
             <a:r>
@@ -3900,8 +3903,16 @@
           </a:p>
           <a:p>
             <a:r>
-              <a:rPr lang="en-US" dirty="0"/>
-              <a:t>Exercise:</a:t>
+              <a:rPr lang="en-US" dirty="0">
+                <a:highlight>
+                  <a:srgbClr val="FFFF00"/>
+                </a:highlight>
+              </a:rPr>
+              <a:t>Exercise</a:t>
+            </a:r>
+            <a:r>
+              <a:rPr lang="en-US" dirty="0"/>
+              <a:t>:</a:t>
             </a:r>
           </a:p>
           <a:p>
@@ -3932,6 +3943,21 @@
               <a:rPr lang="en-US" dirty="0"/>
               <a:t> –v test_file_2.py</a:t>
             </a:r>
+          </a:p>
+          <a:p>
+            <a:pPr lvl="1"/>
+            <a:r>
+              <a:rPr lang="en-US" dirty="0" err="1"/>
+              <a:t>pytest</a:t>
+            </a:r>
+            <a:r>
+              <a:rPr lang="en-US" dirty="0"/>
+              <a:t> –v test_file_3.py</a:t>
+            </a:r>
+          </a:p>
+          <a:p>
+            <a:pPr lvl="1"/>
+            <a:endParaRPr lang="en-US" dirty="0"/>
           </a:p>
         </p:txBody>
       </p:sp>
@@ -3939,6 +3965,175 @@
     <p:extLst>
       <p:ext uri="{BB962C8B-B14F-4D97-AF65-F5344CB8AC3E}">
         <p14:creationId xmlns:p14="http://schemas.microsoft.com/office/powerpoint/2010/main" val="1149352393"/>
+      </p:ext>
+    </p:extLst>
+  </p:cSld>
+  <p:clrMapOvr>
+    <a:masterClrMapping/>
+  </p:clrMapOvr>
+</p:sld>
+</file>
+
+<file path=ppt/slides/slide15.xml><?xml version="1.0" encoding="utf-8"?>
+<p:sld xmlns:a="http://schemas.openxmlformats.org/drawingml/2006/main" xmlns:r="http://schemas.openxmlformats.org/officeDocument/2006/relationships" xmlns:p="http://schemas.openxmlformats.org/presentationml/2006/main">
+  <p:cSld>
+    <p:spTree>
+      <p:nvGrpSpPr>
+        <p:cNvPr id="1" name=""/>
+        <p:cNvGrpSpPr/>
+        <p:nvPr/>
+      </p:nvGrpSpPr>
+      <p:grpSpPr>
+        <a:xfrm>
+          <a:off x="0" y="0"/>
+          <a:ext cx="0" cy="0"/>
+          <a:chOff x="0" y="0"/>
+          <a:chExt cx="0" cy="0"/>
+        </a:xfrm>
+      </p:grpSpPr>
+      <p:sp>
+        <p:nvSpPr>
+          <p:cNvPr id="2" name="Title 1">
+            <a:extLst>
+              <a:ext uri="{FF2B5EF4-FFF2-40B4-BE49-F238E27FC236}">
+                <a16:creationId xmlns:a16="http://schemas.microsoft.com/office/drawing/2014/main" id="{68F7B099-5525-4B23-A43C-E91DBCC11DCB}"/>
+              </a:ext>
+            </a:extLst>
+          </p:cNvPr>
+          <p:cNvSpPr>
+            <a:spLocks noGrp="1"/>
+          </p:cNvSpPr>
+          <p:nvPr>
+            <p:ph type="title"/>
+          </p:nvPr>
+        </p:nvSpPr>
+        <p:spPr/>
+        <p:txBody>
+          <a:bodyPr/>
+          <a:lstStyle/>
+          <a:p>
+            <a:r>
+              <a:rPr lang="en-US" dirty="0"/>
+              <a:t>Testing with Pandas </a:t>
+            </a:r>
+            <a:r>
+              <a:rPr lang="en-US" dirty="0" err="1"/>
+              <a:t>DataFrame</a:t>
+            </a:r>
+            <a:endParaRPr lang="en-US" dirty="0"/>
+          </a:p>
+        </p:txBody>
+      </p:sp>
+      <p:sp>
+        <p:nvSpPr>
+          <p:cNvPr id="3" name="Content Placeholder 2">
+            <a:extLst>
+              <a:ext uri="{FF2B5EF4-FFF2-40B4-BE49-F238E27FC236}">
+                <a16:creationId xmlns:a16="http://schemas.microsoft.com/office/drawing/2014/main" id="{983A9D22-608F-421F-B65C-636C139F2366}"/>
+              </a:ext>
+            </a:extLst>
+          </p:cNvPr>
+          <p:cNvSpPr>
+            <a:spLocks noGrp="1"/>
+          </p:cNvSpPr>
+          <p:nvPr>
+            <p:ph idx="1"/>
+          </p:nvPr>
+        </p:nvSpPr>
+        <p:spPr/>
+        <p:txBody>
+          <a:bodyPr/>
+          <a:lstStyle/>
+          <a:p>
+            <a:r>
+              <a:rPr lang="en-US" dirty="0"/>
+              <a:t>Likewise, simple assert statement does not work </a:t>
+            </a:r>
+            <a:r>
+              <a:rPr lang="en-US" dirty="0" err="1"/>
+              <a:t>work</a:t>
+            </a:r>
+            <a:r>
+              <a:rPr lang="en-US" dirty="0"/>
+              <a:t> well with </a:t>
+            </a:r>
+            <a:r>
+              <a:rPr lang="en-US" dirty="0" err="1"/>
+              <a:t>dataframes</a:t>
+            </a:r>
+            <a:r>
+              <a:rPr lang="en-US" dirty="0"/>
+              <a:t>. Pandas has its own testing module:</a:t>
+            </a:r>
+          </a:p>
+          <a:p>
+            <a:pPr lvl="1"/>
+            <a:r>
+              <a:rPr lang="en-US" dirty="0" err="1"/>
+              <a:t>assert_frame_equal</a:t>
+            </a:r>
+            <a:endParaRPr lang="en-US" dirty="0"/>
+          </a:p>
+          <a:p>
+            <a:pPr lvl="1"/>
+            <a:r>
+              <a:rPr lang="en-US" dirty="0" err="1"/>
+              <a:t>assert_series_equal</a:t>
+            </a:r>
+            <a:endParaRPr lang="en-US" dirty="0"/>
+          </a:p>
+          <a:p>
+            <a:r>
+              <a:rPr lang="en-US" dirty="0">
+                <a:highlight>
+                  <a:srgbClr val="FFFF00"/>
+                </a:highlight>
+              </a:rPr>
+              <a:t>Exercise</a:t>
+            </a:r>
+            <a:r>
+              <a:rPr lang="en-US" dirty="0"/>
+              <a:t>:</a:t>
+            </a:r>
+          </a:p>
+          <a:p>
+            <a:pPr lvl="1"/>
+            <a:r>
+              <a:rPr lang="en-US" dirty="0"/>
+              <a:t>Go to ex7 folder</a:t>
+            </a:r>
+          </a:p>
+          <a:p>
+            <a:pPr lvl="1"/>
+            <a:r>
+              <a:rPr lang="en-US" dirty="0" err="1"/>
+              <a:t>pytest</a:t>
+            </a:r>
+            <a:r>
+              <a:rPr lang="en-US" dirty="0"/>
+              <a:t> –v test_file_1.py</a:t>
+            </a:r>
+          </a:p>
+          <a:p>
+            <a:pPr lvl="1"/>
+            <a:r>
+              <a:rPr lang="en-US" dirty="0" err="1"/>
+              <a:t>pytest</a:t>
+            </a:r>
+            <a:r>
+              <a:rPr lang="en-US" dirty="0"/>
+              <a:t> –v test_file_2.py</a:t>
+            </a:r>
+          </a:p>
+          <a:p>
+            <a:endParaRPr lang="en-US" dirty="0"/>
+          </a:p>
+        </p:txBody>
+      </p:sp>
+    </p:spTree>
+    <p:extLst>
+      <p:ext uri="{BB962C8B-B14F-4D97-AF65-F5344CB8AC3E}">
+        <p14:creationId xmlns:p14="http://schemas.microsoft.com/office/powerpoint/2010/main" val="2077528886"/>
       </p:ext>
     </p:extLst>
   </p:cSld>

--- a/slides/Unit Test with Pytest.pptx
+++ b/slides/Unit Test with Pytest.pptx
@@ -3140,7 +3140,7 @@
           <a:lstStyle/>
           <a:p>
             <a:r>
-              <a:rPr lang="en-US">
+              <a:rPr lang="en-US" dirty="0">
                 <a:highlight>
                   <a:srgbClr val="FFFF00"/>
                 </a:highlight>
@@ -3148,52 +3148,56 @@
               <a:t>Exercise</a:t>
             </a:r>
             <a:r>
-              <a:rPr lang="en-US"/>
+              <a:rPr lang="en-US" dirty="0"/>
               <a:t>:</a:t>
             </a:r>
           </a:p>
           <a:p>
             <a:pPr lvl="1"/>
             <a:r>
-              <a:rPr lang="en-US"/>
+              <a:rPr lang="en-US" dirty="0"/>
               <a:t>Go to tests folder</a:t>
             </a:r>
           </a:p>
           <a:p>
             <a:pPr lvl="1"/>
             <a:r>
-              <a:rPr lang="en-US"/>
+              <a:rPr lang="en-US" dirty="0"/>
               <a:t>Run the following:</a:t>
             </a:r>
           </a:p>
           <a:p>
             <a:pPr lvl="2"/>
             <a:r>
-              <a:rPr lang="en-US"/>
+              <a:rPr lang="en-US" dirty="0" err="1"/>
               <a:t>pytest</a:t>
             </a:r>
+            <a:r>
+              <a:rPr lang="en-US" dirty="0"/>
+              <a:t> ex1</a:t>
+            </a:r>
           </a:p>
           <a:p>
             <a:pPr lvl="2"/>
             <a:r>
-              <a:rPr lang="en-US"/>
-              <a:t>pytest ex1</a:t>
+              <a:rPr lang="en-US" dirty="0" err="1"/>
+              <a:t>pytest</a:t>
+            </a:r>
+            <a:r>
+              <a:rPr lang="en-US" dirty="0"/>
+              <a:t> ex2</a:t>
             </a:r>
           </a:p>
           <a:p>
             <a:pPr lvl="2"/>
             <a:r>
-              <a:rPr lang="en-US"/>
-              <a:t>pytest ex2</a:t>
-            </a:r>
-          </a:p>
-          <a:p>
-            <a:pPr lvl="2"/>
-            <a:r>
-              <a:rPr lang="en-US"/>
-              <a:t>pytest ex2 ex3</a:t>
-            </a:r>
-            <a:endParaRPr lang="en-US" dirty="0"/>
+              <a:rPr lang="en-US" dirty="0" err="1"/>
+              <a:t>pytest</a:t>
+            </a:r>
+            <a:r>
+              <a:rPr lang="en-US" dirty="0"/>
+              <a:t> ex2 ex3</a:t>
+            </a:r>
           </a:p>
         </p:txBody>
       </p:sp>
@@ -3455,7 +3459,7 @@
           <a:bodyPr/>
           <a:lstStyle/>
           <a:p>
-            <a:endParaRPr lang="en-US"/>
+            <a:endParaRPr lang="en-US" dirty="0"/>
           </a:p>
         </p:txBody>
       </p:sp>
@@ -4615,11 +4619,11 @@
                   <a:srgbClr val="00B050"/>
                 </a:solidFill>
               </a:rPr>
-              <a:t>test_</a:t>
-            </a:r>
-            <a:r>
-              <a:rPr lang="en-US" dirty="0"/>
-              <a:t>case_1():</a:t>
+              <a:t>test</a:t>
+            </a:r>
+            <a:r>
+              <a:rPr lang="en-US" dirty="0"/>
+              <a:t>_case_1():</a:t>
             </a:r>
           </a:p>
           <a:p>
@@ -4774,7 +4778,7 @@
           <a:p>
             <a:r>
               <a:rPr lang="en-US" dirty="0"/>
-              <a:t>How are tests discovered? (1/2)</a:t>
+              <a:t>How are tests discovered? </a:t>
             </a:r>
           </a:p>
         </p:txBody>
@@ -5268,13 +5272,8 @@
             </a:r>
             <a:r>
               <a:rPr lang="en-US" dirty="0"/>
-              <a:t> test_sample_2.py -k </a:t>
-            </a:r>
-            <a:r>
-              <a:rPr lang="en-US" dirty="0" err="1"/>
-              <a:t>important_case</a:t>
-            </a:r>
-            <a:endParaRPr lang="en-US" dirty="0"/>
+              <a:t> -k case_1</a:t>
+            </a:r>
           </a:p>
           <a:p>
             <a:endParaRPr lang="en-US" dirty="0"/>
